--- a/Android Framework课程/第04章 应用进程/4.1 你知道应用进程是怎么启动的吗.pptx
+++ b/Android Framework课程/第04章 应用进程/4.1 你知道应用进程是怎么启动的吗.pptx
@@ -5,26 +5,25 @@
     <p:sldMasterId id="2147483660" r:id="rId1"/>
   </p:sldMasterIdLst>
   <p:notesMasterIdLst>
-    <p:notesMasterId r:id="rId19"/>
+    <p:notesMasterId r:id="rId18"/>
   </p:notesMasterIdLst>
   <p:sldIdLst>
     <p:sldId id="257" r:id="rId2"/>
     <p:sldId id="258" r:id="rId3"/>
-    <p:sldId id="273" r:id="rId4"/>
-    <p:sldId id="256" r:id="rId5"/>
-    <p:sldId id="259" r:id="rId6"/>
-    <p:sldId id="260" r:id="rId7"/>
-    <p:sldId id="261" r:id="rId8"/>
-    <p:sldId id="262" r:id="rId9"/>
-    <p:sldId id="265" r:id="rId10"/>
-    <p:sldId id="266" r:id="rId11"/>
-    <p:sldId id="267" r:id="rId12"/>
-    <p:sldId id="268" r:id="rId13"/>
-    <p:sldId id="269" r:id="rId14"/>
-    <p:sldId id="263" r:id="rId15"/>
-    <p:sldId id="270" r:id="rId16"/>
-    <p:sldId id="271" r:id="rId17"/>
-    <p:sldId id="272" r:id="rId18"/>
+    <p:sldId id="256" r:id="rId4"/>
+    <p:sldId id="259" r:id="rId5"/>
+    <p:sldId id="260" r:id="rId6"/>
+    <p:sldId id="261" r:id="rId7"/>
+    <p:sldId id="262" r:id="rId8"/>
+    <p:sldId id="265" r:id="rId9"/>
+    <p:sldId id="266" r:id="rId10"/>
+    <p:sldId id="267" r:id="rId11"/>
+    <p:sldId id="268" r:id="rId12"/>
+    <p:sldId id="269" r:id="rId13"/>
+    <p:sldId id="263" r:id="rId14"/>
+    <p:sldId id="270" r:id="rId15"/>
+    <p:sldId id="271" r:id="rId16"/>
+    <p:sldId id="272" r:id="rId17"/>
   </p:sldIdLst>
   <p:sldSz cx="9144000" cy="5143500" type="screen16x9"/>
   <p:notesSz cx="6858000" cy="9144000"/>
@@ -212,7 +211,7 @@
           </a:lstStyle>
           <a:p>
             <a:fld id="{737430B5-A183-5145-8A7A-D49B972C6E45}" type="datetimeFigureOut">
-              <a:t>2019/3/7</a:t>
+              <a:t>2019/3/10</a:t>
             </a:fld>
             <a:endParaRPr kumimoji="1" lang="zh-CN" altLang="en-US"/>
           </a:p>
@@ -855,7 +854,7 @@
           <a:lstStyle/>
           <a:p>
             <a:fld id="{4940CDEB-43A6-9844-A608-5CCA46E229C0}" type="slidenum">
-              <a:t>12</a:t>
+              <a:t>11</a:t>
             </a:fld>
             <a:endParaRPr kumimoji="1" lang="zh-CN" altLang="en-US"/>
           </a:p>
@@ -1051,7 +1050,7 @@
           <a:lstStyle/>
           <a:p>
             <a:fld id="{4940CDEB-43A6-9844-A608-5CCA46E229C0}" type="slidenum">
-              <a:t>13</a:t>
+              <a:t>12</a:t>
             </a:fld>
             <a:endParaRPr kumimoji="1" lang="zh-CN" altLang="en-US"/>
           </a:p>
@@ -1414,7 +1413,7 @@
           <a:lstStyle/>
           <a:p>
             <a:fld id="{4940CDEB-43A6-9844-A608-5CCA46E229C0}" type="slidenum">
-              <a:t>14</a:t>
+              <a:t>13</a:t>
             </a:fld>
             <a:endParaRPr kumimoji="1" lang="zh-CN" altLang="en-US"/>
           </a:p>
@@ -1599,7 +1598,7 @@
           <a:lstStyle/>
           <a:p>
             <a:fld id="{4940CDEB-43A6-9844-A608-5CCA46E229C0}" type="slidenum">
-              <a:t>15</a:t>
+              <a:t>14</a:t>
             </a:fld>
             <a:endParaRPr kumimoji="1" lang="zh-CN" altLang="en-US"/>
           </a:p>
@@ -2312,7 +2311,7 @@
           <a:p>
             <a:fld id="{4940CDEB-43A6-9844-A608-5CCA46E229C0}" type="slidenum">
               <a:rPr lang="en-US" altLang="zh-CN"/>
-              <a:t>16</a:t>
+              <a:t>15</a:t>
             </a:fld>
             <a:endParaRPr kumimoji="1" lang="zh-CN" altLang="en-US"/>
           </a:p>
@@ -2433,7 +2432,7 @@
           <a:p>
             <a:fld id="{4940CDEB-43A6-9844-A608-5CCA46E229C0}" type="slidenum">
               <a:rPr lang="en-US" altLang="zh-CN"/>
-              <a:t>17</a:t>
+              <a:t>16</a:t>
             </a:fld>
             <a:endParaRPr kumimoji="1" lang="zh-CN" altLang="en-US"/>
           </a:p>
@@ -2517,7 +2516,7 @@
           <a:p>
             <a:fld id="{4940CDEB-43A6-9844-A608-5CCA46E229C0}" type="slidenum">
               <a:rPr lang="en-US" altLang="zh-CN"/>
-              <a:t>4</a:t>
+              <a:t>3</a:t>
             </a:fld>
             <a:endParaRPr kumimoji="1" lang="zh-CN" altLang="en-US"/>
           </a:p>
@@ -2600,7 +2599,7 @@
           <a:lstStyle/>
           <a:p>
             <a:fld id="{4940CDEB-43A6-9844-A608-5CCA46E229C0}" type="slidenum">
-              <a:t>5</a:t>
+              <a:t>4</a:t>
             </a:fld>
             <a:endParaRPr kumimoji="1" lang="zh-CN" altLang="en-US"/>
           </a:p>
@@ -2779,7 +2778,7 @@
           <a:lstStyle/>
           <a:p>
             <a:fld id="{4940CDEB-43A6-9844-A608-5CCA46E229C0}" type="slidenum">
-              <a:t>6</a:t>
+              <a:t>5</a:t>
             </a:fld>
             <a:endParaRPr kumimoji="1" lang="zh-CN" altLang="en-US"/>
           </a:p>
@@ -2911,7 +2910,7 @@
           <a:lstStyle/>
           <a:p>
             <a:fld id="{4940CDEB-43A6-9844-A608-5CCA46E229C0}" type="slidenum">
-              <a:t>7</a:t>
+              <a:t>6</a:t>
             </a:fld>
             <a:endParaRPr kumimoji="1" lang="zh-CN" altLang="en-US"/>
           </a:p>
@@ -3078,7 +3077,7 @@
           <a:lstStyle/>
           <a:p>
             <a:fld id="{4940CDEB-43A6-9844-A608-5CCA46E229C0}" type="slidenum">
-              <a:t>8</a:t>
+              <a:t>7</a:t>
             </a:fld>
             <a:endParaRPr kumimoji="1" lang="zh-CN" altLang="en-US"/>
           </a:p>
@@ -3404,7 +3403,7 @@
           <a:lstStyle/>
           <a:p>
             <a:fld id="{4940CDEB-43A6-9844-A608-5CCA46E229C0}" type="slidenum">
-              <a:t>9</a:t>
+              <a:t>8</a:t>
             </a:fld>
             <a:endParaRPr kumimoji="1" lang="zh-CN" altLang="en-US"/>
           </a:p>
@@ -3684,7 +3683,7 @@
           <a:lstStyle/>
           <a:p>
             <a:fld id="{4940CDEB-43A6-9844-A608-5CCA46E229C0}" type="slidenum">
-              <a:t>10</a:t>
+              <a:t>9</a:t>
             </a:fld>
             <a:endParaRPr kumimoji="1" lang="zh-CN" altLang="en-US"/>
           </a:p>
@@ -3870,7 +3869,7 @@
           <a:lstStyle/>
           <a:p>
             <a:fld id="{4940CDEB-43A6-9844-A608-5CCA46E229C0}" type="slidenum">
-              <a:t>11</a:t>
+              <a:t>10</a:t>
             </a:fld>
             <a:endParaRPr kumimoji="1" lang="zh-CN" altLang="en-US"/>
           </a:p>
@@ -4019,7 +4018,7 @@
           <a:lstStyle/>
           <a:p>
             <a:fld id="{2FE434DF-6E0C-D84A-A745-A87C1C20FAB2}" type="datetimeFigureOut">
-              <a:t>2019/3/7</a:t>
+              <a:t>2019/3/10</a:t>
             </a:fld>
             <a:endParaRPr kumimoji="1" lang="zh-CN" altLang="en-US"/>
           </a:p>
@@ -4163,7 +4162,7 @@
           <a:lstStyle/>
           <a:p>
             <a:fld id="{2FE434DF-6E0C-D84A-A745-A87C1C20FAB2}" type="datetimeFigureOut">
-              <a:t>2019/3/7</a:t>
+              <a:t>2019/3/10</a:t>
             </a:fld>
             <a:endParaRPr kumimoji="1" lang="zh-CN" altLang="en-US"/>
           </a:p>
@@ -4317,7 +4316,7 @@
           <a:lstStyle/>
           <a:p>
             <a:fld id="{2FE434DF-6E0C-D84A-A745-A87C1C20FAB2}" type="datetimeFigureOut">
-              <a:t>2019/3/7</a:t>
+              <a:t>2019/3/10</a:t>
             </a:fld>
             <a:endParaRPr kumimoji="1" lang="zh-CN" altLang="en-US"/>
           </a:p>
@@ -4461,7 +4460,7 @@
           <a:lstStyle/>
           <a:p>
             <a:fld id="{2FE434DF-6E0C-D84A-A745-A87C1C20FAB2}" type="datetimeFigureOut">
-              <a:t>2019/3/7</a:t>
+              <a:t>2019/3/10</a:t>
             </a:fld>
             <a:endParaRPr kumimoji="1" lang="zh-CN" altLang="en-US"/>
           </a:p>
@@ -4710,7 +4709,7 @@
           <a:lstStyle/>
           <a:p>
             <a:fld id="{2FE434DF-6E0C-D84A-A745-A87C1C20FAB2}" type="datetimeFigureOut">
-              <a:t>2019/3/7</a:t>
+              <a:t>2019/3/10</a:t>
             </a:fld>
             <a:endParaRPr kumimoji="1" lang="zh-CN" altLang="en-US"/>
           </a:p>
@@ -4892,7 +4891,7 @@
           <a:lstStyle/>
           <a:p>
             <a:fld id="{2FE434DF-6E0C-D84A-A745-A87C1C20FAB2}" type="datetimeFigureOut">
-              <a:t>2019/3/7</a:t>
+              <a:t>2019/3/10</a:t>
             </a:fld>
             <a:endParaRPr kumimoji="1" lang="zh-CN" altLang="en-US"/>
           </a:p>
@@ -5219,7 +5218,7 @@
           <a:lstStyle/>
           <a:p>
             <a:fld id="{2FE434DF-6E0C-D84A-A745-A87C1C20FAB2}" type="datetimeFigureOut">
-              <a:t>2019/3/7</a:t>
+              <a:t>2019/3/10</a:t>
             </a:fld>
             <a:endParaRPr kumimoji="1" lang="zh-CN" altLang="en-US"/>
           </a:p>
@@ -5335,7 +5334,7 @@
           <a:lstStyle/>
           <a:p>
             <a:fld id="{2FE434DF-6E0C-D84A-A745-A87C1C20FAB2}" type="datetimeFigureOut">
-              <a:t>2019/3/7</a:t>
+              <a:t>2019/3/10</a:t>
             </a:fld>
             <a:endParaRPr kumimoji="1" lang="zh-CN" altLang="en-US"/>
           </a:p>
@@ -5428,7 +5427,7 @@
           <a:lstStyle/>
           <a:p>
             <a:fld id="{2FE434DF-6E0C-D84A-A745-A87C1C20FAB2}" type="datetimeFigureOut">
-              <a:t>2019/3/7</a:t>
+              <a:t>2019/3/10</a:t>
             </a:fld>
             <a:endParaRPr kumimoji="1" lang="zh-CN" altLang="en-US"/>
           </a:p>
@@ -5684,7 +5683,7 @@
           <a:lstStyle/>
           <a:p>
             <a:fld id="{2FE434DF-6E0C-D84A-A745-A87C1C20FAB2}" type="datetimeFigureOut">
-              <a:t>2019/3/7</a:t>
+              <a:t>2019/3/10</a:t>
             </a:fld>
             <a:endParaRPr kumimoji="1" lang="zh-CN" altLang="en-US"/>
           </a:p>
@@ -5944,7 +5943,7 @@
           <a:lstStyle/>
           <a:p>
             <a:fld id="{2FE434DF-6E0C-D84A-A745-A87C1C20FAB2}" type="datetimeFigureOut">
-              <a:t>2019/3/7</a:t>
+              <a:t>2019/3/10</a:t>
             </a:fld>
             <a:endParaRPr kumimoji="1" lang="zh-CN" altLang="en-US"/>
           </a:p>
@@ -6131,7 +6130,7 @@
           </a:lstStyle>
           <a:p>
             <a:fld id="{2FE434DF-6E0C-D84A-A745-A87C1C20FAB2}" type="datetimeFigureOut">
-              <a:t>2019/3/7</a:t>
+              <a:t>2019/3/10</a:t>
             </a:fld>
             <a:endParaRPr kumimoji="1" lang="zh-CN" altLang="en-US"/>
           </a:p>
@@ -6609,807 +6608,6 @@
       </p:grpSpPr>
       <p:sp>
         <p:nvSpPr>
-          <p:cNvPr id="5" name="矩形 4">
-            <a:extLst>
-              <a:ext uri="{FF2B5EF4-FFF2-40B4-BE49-F238E27FC236}">
-                <a16:creationId xmlns:a16="http://schemas.microsoft.com/office/drawing/2014/main" id="{1D1A1964-C697-A24E-8386-7EDE9D11CF36}"/>
-              </a:ext>
-            </a:extLst>
-          </p:cNvPr>
-          <p:cNvSpPr/>
-          <p:nvPr/>
-        </p:nvSpPr>
-        <p:spPr>
-          <a:xfrm>
-            <a:off x="342901" y="448092"/>
-            <a:ext cx="8458199" cy="2862322"/>
-          </a:xfrm>
-          <a:prstGeom prst="rect">
-            <a:avLst/>
-          </a:prstGeom>
-          <a:ln w="22225">
-            <a:solidFill>
-              <a:srgbClr val="C00000"/>
-            </a:solidFill>
-            <a:prstDash val="dash"/>
-          </a:ln>
-        </p:spPr>
-        <p:txBody>
-          <a:bodyPr wrap="square">
-            <a:spAutoFit/>
-          </a:bodyPr>
-          <a:lstStyle/>
-          <a:p>
-            <a:r>
-              <a:rPr lang="en-US" altLang="zh-CN" sz="1800">
-                <a:solidFill>
-                  <a:srgbClr val="CC7832"/>
-                </a:solidFill>
-                <a:effectLst/>
-                <a:latin typeface="Microsoft YaHei" panose="020B0503020204020204" pitchFamily="34" charset="-122"/>
-                <a:ea typeface="Microsoft YaHei" panose="020B0503020204020204" pitchFamily="34" charset="-122"/>
-              </a:rPr>
-              <a:t>public static void </a:t>
-            </a:r>
-            <a:r>
-              <a:rPr lang="en-US" altLang="zh-CN" sz="1800">
-                <a:solidFill>
-                  <a:srgbClr val="FFC66D"/>
-                </a:solidFill>
-                <a:effectLst/>
-                <a:latin typeface="Microsoft YaHei" panose="020B0503020204020204" pitchFamily="34" charset="-122"/>
-                <a:ea typeface="Microsoft YaHei" panose="020B0503020204020204" pitchFamily="34" charset="-122"/>
-              </a:rPr>
-              <a:t>main</a:t>
-            </a:r>
-            <a:r>
-              <a:rPr lang="en-US" altLang="zh-CN" sz="1800">
-                <a:latin typeface="Microsoft YaHei" panose="020B0503020204020204" pitchFamily="34" charset="-122"/>
-                <a:ea typeface="Microsoft YaHei" panose="020B0503020204020204" pitchFamily="34" charset="-122"/>
-              </a:rPr>
-              <a:t>(String[] args) {</a:t>
-            </a:r>
-            <a:br>
-              <a:rPr lang="en-US" altLang="zh-CN" sz="1800">
-                <a:solidFill>
-                  <a:srgbClr val="CC7832"/>
-                </a:solidFill>
-                <a:effectLst/>
-                <a:latin typeface="Microsoft YaHei" panose="020B0503020204020204" pitchFamily="34" charset="-122"/>
-                <a:ea typeface="Microsoft YaHei" panose="020B0503020204020204" pitchFamily="34" charset="-122"/>
-              </a:rPr>
-            </a:br>
-            <a:r>
-              <a:rPr lang="en-US" altLang="zh-CN" sz="1800">
-                <a:solidFill>
-                  <a:srgbClr val="CC7832"/>
-                </a:solidFill>
-                <a:effectLst/>
-                <a:latin typeface="Microsoft YaHei" panose="020B0503020204020204" pitchFamily="34" charset="-122"/>
-                <a:ea typeface="Microsoft YaHei" panose="020B0503020204020204" pitchFamily="34" charset="-122"/>
-              </a:rPr>
-              <a:t>    </a:t>
-            </a:r>
-            <a:r>
-              <a:rPr lang="en-US" altLang="zh-CN" sz="1800">
-                <a:latin typeface="Microsoft YaHei" panose="020B0503020204020204" pitchFamily="34" charset="-122"/>
-                <a:ea typeface="Microsoft YaHei" panose="020B0503020204020204" pitchFamily="34" charset="-122"/>
-              </a:rPr>
-              <a:t>Looper.</a:t>
-            </a:r>
-            <a:r>
-              <a:rPr lang="en-US" altLang="zh-CN" sz="1800">
-                <a:effectLst/>
-                <a:latin typeface="Microsoft YaHei" panose="020B0503020204020204" pitchFamily="34" charset="-122"/>
-                <a:ea typeface="Microsoft YaHei" panose="020B0503020204020204" pitchFamily="34" charset="-122"/>
-              </a:rPr>
-              <a:t>prepareMainLooper</a:t>
-            </a:r>
-            <a:r>
-              <a:rPr lang="en-US" altLang="zh-CN" sz="1800">
-                <a:latin typeface="Microsoft YaHei" panose="020B0503020204020204" pitchFamily="34" charset="-122"/>
-                <a:ea typeface="Microsoft YaHei" panose="020B0503020204020204" pitchFamily="34" charset="-122"/>
-              </a:rPr>
-              <a:t>()</a:t>
-            </a:r>
-            <a:r>
-              <a:rPr lang="en-US" altLang="zh-CN" sz="1800">
-                <a:solidFill>
-                  <a:srgbClr val="CC7832"/>
-                </a:solidFill>
-                <a:effectLst/>
-                <a:latin typeface="Microsoft YaHei" panose="020B0503020204020204" pitchFamily="34" charset="-122"/>
-                <a:ea typeface="Microsoft YaHei" panose="020B0503020204020204" pitchFamily="34" charset="-122"/>
-              </a:rPr>
-              <a:t>;</a:t>
-            </a:r>
-            <a:br>
-              <a:rPr lang="en-US" altLang="zh-CN" sz="1800">
-                <a:solidFill>
-                  <a:srgbClr val="CC7832"/>
-                </a:solidFill>
-                <a:effectLst/>
-                <a:latin typeface="Microsoft YaHei" panose="020B0503020204020204" pitchFamily="34" charset="-122"/>
-                <a:ea typeface="Microsoft YaHei" panose="020B0503020204020204" pitchFamily="34" charset="-122"/>
-              </a:rPr>
-            </a:br>
-            <a:br>
-              <a:rPr lang="en-US" altLang="zh-CN" sz="1800">
-                <a:solidFill>
-                  <a:srgbClr val="CC7832"/>
-                </a:solidFill>
-                <a:effectLst/>
-                <a:latin typeface="Microsoft YaHei" panose="020B0503020204020204" pitchFamily="34" charset="-122"/>
-                <a:ea typeface="Microsoft YaHei" panose="020B0503020204020204" pitchFamily="34" charset="-122"/>
-              </a:rPr>
-            </a:br>
-            <a:r>
-              <a:rPr lang="en-US" altLang="zh-CN" sz="1800">
-                <a:solidFill>
-                  <a:srgbClr val="CC7832"/>
-                </a:solidFill>
-                <a:effectLst/>
-                <a:latin typeface="Microsoft YaHei" panose="020B0503020204020204" pitchFamily="34" charset="-122"/>
-                <a:ea typeface="Microsoft YaHei" panose="020B0503020204020204" pitchFamily="34" charset="-122"/>
-              </a:rPr>
-              <a:t>    </a:t>
-            </a:r>
-            <a:r>
-              <a:rPr lang="en-US" altLang="zh-CN" sz="1800">
-                <a:latin typeface="Microsoft YaHei" panose="020B0503020204020204" pitchFamily="34" charset="-122"/>
-                <a:ea typeface="Microsoft YaHei" panose="020B0503020204020204" pitchFamily="34" charset="-122"/>
-              </a:rPr>
-              <a:t>ActivityThread thread = </a:t>
-            </a:r>
-            <a:r>
-              <a:rPr lang="en-US" altLang="zh-CN" sz="1800">
-                <a:solidFill>
-                  <a:srgbClr val="CC7832"/>
-                </a:solidFill>
-                <a:effectLst/>
-                <a:latin typeface="Microsoft YaHei" panose="020B0503020204020204" pitchFamily="34" charset="-122"/>
-                <a:ea typeface="Microsoft YaHei" panose="020B0503020204020204" pitchFamily="34" charset="-122"/>
-              </a:rPr>
-              <a:t>new </a:t>
-            </a:r>
-            <a:r>
-              <a:rPr lang="en-US" altLang="zh-CN" sz="1800">
-                <a:latin typeface="Microsoft YaHei" panose="020B0503020204020204" pitchFamily="34" charset="-122"/>
-                <a:ea typeface="Microsoft YaHei" panose="020B0503020204020204" pitchFamily="34" charset="-122"/>
-              </a:rPr>
-              <a:t>ActivityThread()</a:t>
-            </a:r>
-            <a:r>
-              <a:rPr lang="en-US" altLang="zh-CN" sz="1800">
-                <a:solidFill>
-                  <a:srgbClr val="CC7832"/>
-                </a:solidFill>
-                <a:effectLst/>
-                <a:latin typeface="Microsoft YaHei" panose="020B0503020204020204" pitchFamily="34" charset="-122"/>
-                <a:ea typeface="Microsoft YaHei" panose="020B0503020204020204" pitchFamily="34" charset="-122"/>
-              </a:rPr>
-              <a:t>;</a:t>
-            </a:r>
-            <a:br>
-              <a:rPr lang="en-US" altLang="zh-CN" sz="1800">
-                <a:solidFill>
-                  <a:srgbClr val="CC7832"/>
-                </a:solidFill>
-                <a:effectLst/>
-                <a:latin typeface="Microsoft YaHei" panose="020B0503020204020204" pitchFamily="34" charset="-122"/>
-                <a:ea typeface="Microsoft YaHei" panose="020B0503020204020204" pitchFamily="34" charset="-122"/>
-              </a:rPr>
-            </a:br>
-            <a:r>
-              <a:rPr lang="en-US" altLang="zh-CN" sz="1800">
-                <a:solidFill>
-                  <a:srgbClr val="CC7832"/>
-                </a:solidFill>
-                <a:effectLst/>
-                <a:latin typeface="Microsoft YaHei" panose="020B0503020204020204" pitchFamily="34" charset="-122"/>
-                <a:ea typeface="Microsoft YaHei" panose="020B0503020204020204" pitchFamily="34" charset="-122"/>
-              </a:rPr>
-              <a:t>    </a:t>
-            </a:r>
-            <a:r>
-              <a:rPr lang="en-US" altLang="zh-CN" sz="1800">
-                <a:latin typeface="Microsoft YaHei" panose="020B0503020204020204" pitchFamily="34" charset="-122"/>
-                <a:ea typeface="Microsoft YaHei" panose="020B0503020204020204" pitchFamily="34" charset="-122"/>
-              </a:rPr>
-              <a:t>thread.attach(</a:t>
-            </a:r>
-            <a:r>
-              <a:rPr lang="en-US" altLang="zh-CN" sz="1800">
-                <a:solidFill>
-                  <a:srgbClr val="CC7832"/>
-                </a:solidFill>
-                <a:effectLst/>
-                <a:latin typeface="Microsoft YaHei" panose="020B0503020204020204" pitchFamily="34" charset="-122"/>
-                <a:ea typeface="Microsoft YaHei" panose="020B0503020204020204" pitchFamily="34" charset="-122"/>
-              </a:rPr>
-              <a:t>false</a:t>
-            </a:r>
-            <a:r>
-              <a:rPr lang="en-US" altLang="zh-CN" sz="1800">
-                <a:latin typeface="Microsoft YaHei" panose="020B0503020204020204" pitchFamily="34" charset="-122"/>
-                <a:ea typeface="Microsoft YaHei" panose="020B0503020204020204" pitchFamily="34" charset="-122"/>
-              </a:rPr>
-              <a:t>)</a:t>
-            </a:r>
-            <a:r>
-              <a:rPr lang="en-US" altLang="zh-CN" sz="1800">
-                <a:solidFill>
-                  <a:srgbClr val="CC7832"/>
-                </a:solidFill>
-                <a:effectLst/>
-                <a:latin typeface="Microsoft YaHei" panose="020B0503020204020204" pitchFamily="34" charset="-122"/>
-                <a:ea typeface="Microsoft YaHei" panose="020B0503020204020204" pitchFamily="34" charset="-122"/>
-              </a:rPr>
-              <a:t>;</a:t>
-            </a:r>
-            <a:br>
-              <a:rPr lang="en-US" altLang="zh-CN" sz="1800">
-                <a:latin typeface="Microsoft YaHei" panose="020B0503020204020204" pitchFamily="34" charset="-122"/>
-                <a:ea typeface="Microsoft YaHei" panose="020B0503020204020204" pitchFamily="34" charset="-122"/>
-              </a:rPr>
-            </a:br>
-            <a:endParaRPr lang="en-US" altLang="zh-CN" sz="1800">
-              <a:latin typeface="Microsoft YaHei" panose="020B0503020204020204" pitchFamily="34" charset="-122"/>
-              <a:ea typeface="Microsoft YaHei" panose="020B0503020204020204" pitchFamily="34" charset="-122"/>
-            </a:endParaRPr>
-          </a:p>
-          <a:p>
-            <a:r>
-              <a:rPr lang="zh-CN" altLang="en-US" sz="1800">
-                <a:latin typeface="Microsoft YaHei" panose="020B0503020204020204" pitchFamily="34" charset="-122"/>
-                <a:ea typeface="Microsoft YaHei" panose="020B0503020204020204" pitchFamily="34" charset="-122"/>
-              </a:rPr>
-              <a:t>    </a:t>
-            </a:r>
-            <a:r>
-              <a:rPr lang="en-US" altLang="zh-CN" sz="1800">
-                <a:latin typeface="Microsoft YaHei" panose="020B0503020204020204" pitchFamily="34" charset="-122"/>
-                <a:ea typeface="Microsoft YaHei" panose="020B0503020204020204" pitchFamily="34" charset="-122"/>
-              </a:rPr>
-              <a:t>Looper.</a:t>
-            </a:r>
-            <a:r>
-              <a:rPr lang="en-US" altLang="zh-CN" sz="1800">
-                <a:effectLst/>
-                <a:latin typeface="Microsoft YaHei" panose="020B0503020204020204" pitchFamily="34" charset="-122"/>
-                <a:ea typeface="Microsoft YaHei" panose="020B0503020204020204" pitchFamily="34" charset="-122"/>
-              </a:rPr>
-              <a:t>loop</a:t>
-            </a:r>
-            <a:r>
-              <a:rPr lang="en-US" altLang="zh-CN" sz="1800">
-                <a:latin typeface="Microsoft YaHei" panose="020B0503020204020204" pitchFamily="34" charset="-122"/>
-                <a:ea typeface="Microsoft YaHei" panose="020B0503020204020204" pitchFamily="34" charset="-122"/>
-              </a:rPr>
-              <a:t>()</a:t>
-            </a:r>
-            <a:r>
-              <a:rPr lang="en-US" altLang="zh-CN" sz="1800">
-                <a:solidFill>
-                  <a:srgbClr val="CC7832"/>
-                </a:solidFill>
-                <a:effectLst/>
-                <a:latin typeface="Microsoft YaHei" panose="020B0503020204020204" pitchFamily="34" charset="-122"/>
-                <a:ea typeface="Microsoft YaHei" panose="020B0503020204020204" pitchFamily="34" charset="-122"/>
-              </a:rPr>
-              <a:t>;</a:t>
-            </a:r>
-            <a:br>
-              <a:rPr lang="en-US" altLang="zh-CN" sz="1800">
-                <a:solidFill>
-                  <a:srgbClr val="CC7832"/>
-                </a:solidFill>
-                <a:effectLst/>
-                <a:latin typeface="Microsoft YaHei" panose="020B0503020204020204" pitchFamily="34" charset="-122"/>
-                <a:ea typeface="Microsoft YaHei" panose="020B0503020204020204" pitchFamily="34" charset="-122"/>
-              </a:rPr>
-            </a:br>
-            <a:br>
-              <a:rPr lang="en-US" altLang="zh-CN" sz="1800">
-                <a:solidFill>
-                  <a:srgbClr val="CC7832"/>
-                </a:solidFill>
-                <a:effectLst/>
-                <a:latin typeface="Microsoft YaHei" panose="020B0503020204020204" pitchFamily="34" charset="-122"/>
-                <a:ea typeface="Microsoft YaHei" panose="020B0503020204020204" pitchFamily="34" charset="-122"/>
-              </a:rPr>
-            </a:br>
-            <a:r>
-              <a:rPr lang="en-US" altLang="zh-CN" sz="1800">
-                <a:solidFill>
-                  <a:srgbClr val="CC7832"/>
-                </a:solidFill>
-                <a:effectLst/>
-                <a:latin typeface="Microsoft YaHei" panose="020B0503020204020204" pitchFamily="34" charset="-122"/>
-                <a:ea typeface="Microsoft YaHei" panose="020B0503020204020204" pitchFamily="34" charset="-122"/>
-              </a:rPr>
-              <a:t>    throw new </a:t>
-            </a:r>
-            <a:r>
-              <a:rPr lang="en-US" altLang="zh-CN" sz="1800">
-                <a:latin typeface="Microsoft YaHei" panose="020B0503020204020204" pitchFamily="34" charset="-122"/>
-                <a:ea typeface="Microsoft YaHei" panose="020B0503020204020204" pitchFamily="34" charset="-122"/>
-              </a:rPr>
-              <a:t>RuntimeException(</a:t>
-            </a:r>
-            <a:r>
-              <a:rPr lang="en-US" altLang="zh-CN" sz="1800">
-                <a:solidFill>
-                  <a:srgbClr val="6A8759"/>
-                </a:solidFill>
-                <a:effectLst/>
-                <a:latin typeface="Microsoft YaHei" panose="020B0503020204020204" pitchFamily="34" charset="-122"/>
-                <a:ea typeface="Microsoft YaHei" panose="020B0503020204020204" pitchFamily="34" charset="-122"/>
-              </a:rPr>
-              <a:t>“Main thread loop unexpectedly exited”</a:t>
-            </a:r>
-            <a:r>
-              <a:rPr lang="en-US" altLang="zh-CN" sz="1800">
-                <a:latin typeface="Microsoft YaHei" panose="020B0503020204020204" pitchFamily="34" charset="-122"/>
-                <a:ea typeface="Microsoft YaHei" panose="020B0503020204020204" pitchFamily="34" charset="-122"/>
-              </a:rPr>
-              <a:t>);</a:t>
-            </a:r>
-            <a:br>
-              <a:rPr lang="en-US" altLang="zh-CN" sz="1800">
-                <a:solidFill>
-                  <a:srgbClr val="CC7832"/>
-                </a:solidFill>
-                <a:effectLst/>
-                <a:latin typeface="Microsoft YaHei" panose="020B0503020204020204" pitchFamily="34" charset="-122"/>
-                <a:ea typeface="Microsoft YaHei" panose="020B0503020204020204" pitchFamily="34" charset="-122"/>
-              </a:rPr>
-            </a:br>
-            <a:r>
-              <a:rPr lang="en-US" altLang="zh-CN" sz="1800">
-                <a:latin typeface="Microsoft YaHei" panose="020B0503020204020204" pitchFamily="34" charset="-122"/>
-                <a:ea typeface="Microsoft YaHei" panose="020B0503020204020204" pitchFamily="34" charset="-122"/>
-              </a:rPr>
-              <a:t>}</a:t>
-            </a:r>
-            <a:endParaRPr lang="zh-CN" altLang="en-US" sz="1800">
-              <a:latin typeface="Microsoft YaHei" panose="020B0503020204020204" pitchFamily="34" charset="-122"/>
-              <a:ea typeface="Microsoft YaHei" panose="020B0503020204020204" pitchFamily="34" charset="-122"/>
-            </a:endParaRPr>
-          </a:p>
-        </p:txBody>
-      </p:sp>
-      <p:sp>
-        <p:nvSpPr>
-          <p:cNvPr id="6" name="矩形 5">
-            <a:extLst>
-              <a:ext uri="{FF2B5EF4-FFF2-40B4-BE49-F238E27FC236}">
-                <a16:creationId xmlns:a16="http://schemas.microsoft.com/office/drawing/2014/main" id="{345670A3-4381-1C4E-80F8-F8F9AD50AE1B}"/>
-              </a:ext>
-            </a:extLst>
-          </p:cNvPr>
-          <p:cNvSpPr/>
-          <p:nvPr/>
-        </p:nvSpPr>
-        <p:spPr>
-          <a:xfrm>
-            <a:off x="434051" y="3750252"/>
-            <a:ext cx="8275898" cy="646331"/>
-          </a:xfrm>
-          <a:prstGeom prst="rect">
-            <a:avLst/>
-          </a:prstGeom>
-          <a:ln w="22225">
-            <a:solidFill>
-              <a:srgbClr val="C00000"/>
-            </a:solidFill>
-            <a:prstDash val="dash"/>
-          </a:ln>
-        </p:spPr>
-        <p:txBody>
-          <a:bodyPr wrap="square">
-            <a:spAutoFit/>
-          </a:bodyPr>
-          <a:lstStyle/>
-          <a:p>
-            <a:r>
-              <a:rPr lang="en-US" altLang="zh-CN" sz="1800">
-                <a:solidFill>
-                  <a:srgbClr val="CC7832"/>
-                </a:solidFill>
-                <a:effectLst/>
-                <a:latin typeface="Microsoft YaHei" panose="020B0503020204020204" pitchFamily="34" charset="-122"/>
-                <a:ea typeface="Microsoft YaHei" panose="020B0503020204020204" pitchFamily="34" charset="-122"/>
-              </a:rPr>
-              <a:t>final </a:t>
-            </a:r>
-            <a:r>
-              <a:rPr lang="en-US" altLang="zh-CN" sz="1800">
-                <a:latin typeface="Microsoft YaHei" panose="020B0503020204020204" pitchFamily="34" charset="-122"/>
-                <a:ea typeface="Microsoft YaHei" panose="020B0503020204020204" pitchFamily="34" charset="-122"/>
-              </a:rPr>
-              <a:t>IActivityManager mgr = ActivityManagerNative.</a:t>
-            </a:r>
-            <a:r>
-              <a:rPr lang="en-US" altLang="zh-CN" sz="1800">
-                <a:effectLst/>
-                <a:latin typeface="Microsoft YaHei" panose="020B0503020204020204" pitchFamily="34" charset="-122"/>
-                <a:ea typeface="Microsoft YaHei" panose="020B0503020204020204" pitchFamily="34" charset="-122"/>
-              </a:rPr>
-              <a:t>getDefault</a:t>
-            </a:r>
-            <a:r>
-              <a:rPr lang="en-US" altLang="zh-CN" sz="1800">
-                <a:latin typeface="Microsoft YaHei" panose="020B0503020204020204" pitchFamily="34" charset="-122"/>
-                <a:ea typeface="Microsoft YaHei" panose="020B0503020204020204" pitchFamily="34" charset="-122"/>
-              </a:rPr>
-              <a:t>()</a:t>
-            </a:r>
-            <a:r>
-              <a:rPr lang="en-US" altLang="zh-CN" sz="1800">
-                <a:solidFill>
-                  <a:srgbClr val="CC7832"/>
-                </a:solidFill>
-                <a:effectLst/>
-                <a:latin typeface="Microsoft YaHei" panose="020B0503020204020204" pitchFamily="34" charset="-122"/>
-                <a:ea typeface="Microsoft YaHei" panose="020B0503020204020204" pitchFamily="34" charset="-122"/>
-              </a:rPr>
-              <a:t>;</a:t>
-            </a:r>
-            <a:br>
-              <a:rPr lang="en-US" altLang="zh-CN" sz="1800">
-                <a:solidFill>
-                  <a:srgbClr val="CC7832"/>
-                </a:solidFill>
-                <a:effectLst/>
-                <a:latin typeface="Microsoft YaHei" panose="020B0503020204020204" pitchFamily="34" charset="-122"/>
-                <a:ea typeface="Microsoft YaHei" panose="020B0503020204020204" pitchFamily="34" charset="-122"/>
-              </a:rPr>
-            </a:br>
-            <a:r>
-              <a:rPr lang="en-US" altLang="zh-CN" sz="1800">
-                <a:latin typeface="Microsoft YaHei" panose="020B0503020204020204" pitchFamily="34" charset="-122"/>
-                <a:ea typeface="Microsoft YaHei" panose="020B0503020204020204" pitchFamily="34" charset="-122"/>
-              </a:rPr>
-              <a:t>mgr.attachApplication(</a:t>
-            </a:r>
-            <a:r>
-              <a:rPr lang="en-US" altLang="zh-CN" sz="1800">
-                <a:solidFill>
-                  <a:srgbClr val="9876AA"/>
-                </a:solidFill>
-                <a:effectLst/>
-                <a:latin typeface="Microsoft YaHei" panose="020B0503020204020204" pitchFamily="34" charset="-122"/>
-                <a:ea typeface="Microsoft YaHei" panose="020B0503020204020204" pitchFamily="34" charset="-122"/>
-              </a:rPr>
-              <a:t>mAppThread</a:t>
-            </a:r>
-            <a:r>
-              <a:rPr lang="en-US" altLang="zh-CN" sz="1800">
-                <a:latin typeface="Microsoft YaHei" panose="020B0503020204020204" pitchFamily="34" charset="-122"/>
-                <a:ea typeface="Microsoft YaHei" panose="020B0503020204020204" pitchFamily="34" charset="-122"/>
-              </a:rPr>
-              <a:t>)</a:t>
-            </a:r>
-            <a:r>
-              <a:rPr lang="en-US" altLang="zh-CN" sz="1800">
-                <a:solidFill>
-                  <a:srgbClr val="CC7832"/>
-                </a:solidFill>
-                <a:effectLst/>
-                <a:latin typeface="Microsoft YaHei" panose="020B0503020204020204" pitchFamily="34" charset="-122"/>
-                <a:ea typeface="Microsoft YaHei" panose="020B0503020204020204" pitchFamily="34" charset="-122"/>
-              </a:rPr>
-              <a:t>;</a:t>
-            </a:r>
-            <a:endParaRPr lang="zh-CN" altLang="en-US" sz="1800">
-              <a:latin typeface="Microsoft YaHei" panose="020B0503020204020204" pitchFamily="34" charset="-122"/>
-              <a:ea typeface="Microsoft YaHei" panose="020B0503020204020204" pitchFamily="34" charset="-122"/>
-            </a:endParaRPr>
-          </a:p>
-        </p:txBody>
-      </p:sp>
-      <p:cxnSp>
-        <p:nvCxnSpPr>
-          <p:cNvPr id="8" name="直线箭头连接符 7">
-            <a:extLst>
-              <a:ext uri="{FF2B5EF4-FFF2-40B4-BE49-F238E27FC236}">
-                <a16:creationId xmlns:a16="http://schemas.microsoft.com/office/drawing/2014/main" id="{60D815C7-2E78-3942-8F26-2637929FC022}"/>
-              </a:ext>
-            </a:extLst>
-          </p:cNvPr>
-          <p:cNvCxnSpPr>
-            <a:cxnSpLocks/>
-          </p:cNvCxnSpPr>
-          <p:nvPr/>
-        </p:nvCxnSpPr>
-        <p:spPr>
-          <a:xfrm>
-            <a:off x="2639028" y="1879253"/>
-            <a:ext cx="544010" cy="1778347"/>
-          </a:xfrm>
-          <a:prstGeom prst="straightConnector1">
-            <a:avLst/>
-          </a:prstGeom>
-          <a:ln w="19050">
-            <a:solidFill>
-              <a:schemeClr val="accent2"/>
-            </a:solidFill>
-            <a:tailEnd type="triangle"/>
-          </a:ln>
-        </p:spPr>
-        <p:style>
-          <a:lnRef idx="1">
-            <a:schemeClr val="accent1"/>
-          </a:lnRef>
-          <a:fillRef idx="0">
-            <a:schemeClr val="accent1"/>
-          </a:fillRef>
-          <a:effectRef idx="0">
-            <a:schemeClr val="accent1"/>
-          </a:effectRef>
-          <a:fontRef idx="minor">
-            <a:schemeClr val="tx1"/>
-          </a:fontRef>
-        </p:style>
-      </p:cxnSp>
-    </p:spTree>
-    <p:extLst>
-      <p:ext uri="{BB962C8B-B14F-4D97-AF65-F5344CB8AC3E}">
-        <p14:creationId xmlns:p14="http://schemas.microsoft.com/office/powerpoint/2010/main" val="3659730438"/>
-      </p:ext>
-    </p:extLst>
-  </p:cSld>
-  <p:clrMapOvr>
-    <a:masterClrMapping/>
-  </p:clrMapOvr>
-  <p:timing>
-    <p:tnLst>
-      <p:par>
-        <p:cTn id="1" dur="indefinite" restart="never" nodeType="tmRoot">
-          <p:childTnLst>
-            <p:seq concurrent="1" nextAc="seek">
-              <p:cTn id="2" dur="indefinite" nodeType="mainSeq">
-                <p:childTnLst>
-                  <p:par>
-                    <p:cTn id="3" fill="hold">
-                      <p:stCondLst>
-                        <p:cond delay="indefinite"/>
-                        <p:cond evt="onBegin" delay="0">
-                          <p:tn val="2"/>
-                        </p:cond>
-                      </p:stCondLst>
-                      <p:childTnLst>
-                        <p:par>
-                          <p:cTn id="4" fill="hold">
-                            <p:stCondLst>
-                              <p:cond delay="0"/>
-                            </p:stCondLst>
-                            <p:childTnLst>
-                              <p:par>
-                                <p:cTn id="5" presetID="2" presetClass="entr" presetSubtype="4" fill="hold" grpId="0" nodeType="withEffect">
-                                  <p:stCondLst>
-                                    <p:cond delay="0"/>
-                                  </p:stCondLst>
-                                  <p:childTnLst>
-                                    <p:set>
-                                      <p:cBhvr>
-                                        <p:cTn id="6" dur="1" fill="hold">
-                                          <p:stCondLst>
-                                            <p:cond delay="0"/>
-                                          </p:stCondLst>
-                                        </p:cTn>
-                                        <p:tgtEl>
-                                          <p:spTgt spid="5"/>
-                                        </p:tgtEl>
-                                        <p:attrNameLst>
-                                          <p:attrName>style.visibility</p:attrName>
-                                        </p:attrNameLst>
-                                      </p:cBhvr>
-                                      <p:to>
-                                        <p:strVal val="visible"/>
-                                      </p:to>
-                                    </p:set>
-                                    <p:anim calcmode="lin" valueType="num">
-                                      <p:cBhvr additive="base">
-                                        <p:cTn id="7" dur="500" fill="hold"/>
-                                        <p:tgtEl>
-                                          <p:spTgt spid="5"/>
-                                        </p:tgtEl>
-                                        <p:attrNameLst>
-                                          <p:attrName>ppt_x</p:attrName>
-                                        </p:attrNameLst>
-                                      </p:cBhvr>
-                                      <p:tavLst>
-                                        <p:tav tm="0">
-                                          <p:val>
-                                            <p:strVal val="#ppt_x"/>
-                                          </p:val>
-                                        </p:tav>
-                                        <p:tav tm="100000">
-                                          <p:val>
-                                            <p:strVal val="#ppt_x"/>
-                                          </p:val>
-                                        </p:tav>
-                                      </p:tavLst>
-                                    </p:anim>
-                                    <p:anim calcmode="lin" valueType="num">
-                                      <p:cBhvr additive="base">
-                                        <p:cTn id="8" dur="500" fill="hold"/>
-                                        <p:tgtEl>
-                                          <p:spTgt spid="5"/>
-                                        </p:tgtEl>
-                                        <p:attrNameLst>
-                                          <p:attrName>ppt_y</p:attrName>
-                                        </p:attrNameLst>
-                                      </p:cBhvr>
-                                      <p:tavLst>
-                                        <p:tav tm="0">
-                                          <p:val>
-                                            <p:strVal val="1+#ppt_h/2"/>
-                                          </p:val>
-                                        </p:tav>
-                                        <p:tav tm="100000">
-                                          <p:val>
-                                            <p:strVal val="#ppt_y"/>
-                                          </p:val>
-                                        </p:tav>
-                                      </p:tavLst>
-                                    </p:anim>
-                                  </p:childTnLst>
-                                </p:cTn>
-                              </p:par>
-                            </p:childTnLst>
-                          </p:cTn>
-                        </p:par>
-                      </p:childTnLst>
-                    </p:cTn>
-                  </p:par>
-                  <p:par>
-                    <p:cTn id="9" fill="hold">
-                      <p:stCondLst>
-                        <p:cond delay="indefinite"/>
-                      </p:stCondLst>
-                      <p:childTnLst>
-                        <p:par>
-                          <p:cTn id="10" fill="hold">
-                            <p:stCondLst>
-                              <p:cond delay="0"/>
-                            </p:stCondLst>
-                            <p:childTnLst>
-                              <p:par>
-                                <p:cTn id="11" presetID="9" presetClass="entr" presetSubtype="0" fill="hold" nodeType="clickEffect">
-                                  <p:stCondLst>
-                                    <p:cond delay="0"/>
-                                  </p:stCondLst>
-                                  <p:childTnLst>
-                                    <p:set>
-                                      <p:cBhvr>
-                                        <p:cTn id="12" dur="1" fill="hold">
-                                          <p:stCondLst>
-                                            <p:cond delay="0"/>
-                                          </p:stCondLst>
-                                        </p:cTn>
-                                        <p:tgtEl>
-                                          <p:spTgt spid="8"/>
-                                        </p:tgtEl>
-                                        <p:attrNameLst>
-                                          <p:attrName>style.visibility</p:attrName>
-                                        </p:attrNameLst>
-                                      </p:cBhvr>
-                                      <p:to>
-                                        <p:strVal val="visible"/>
-                                      </p:to>
-                                    </p:set>
-                                    <p:animEffect transition="in" filter="dissolve">
-                                      <p:cBhvr>
-                                        <p:cTn id="13" dur="500"/>
-                                        <p:tgtEl>
-                                          <p:spTgt spid="8"/>
-                                        </p:tgtEl>
-                                      </p:cBhvr>
-                                    </p:animEffect>
-                                  </p:childTnLst>
-                                </p:cTn>
-                              </p:par>
-                            </p:childTnLst>
-                          </p:cTn>
-                        </p:par>
-                        <p:par>
-                          <p:cTn id="14" fill="hold">
-                            <p:stCondLst>
-                              <p:cond delay="500"/>
-                            </p:stCondLst>
-                            <p:childTnLst>
-                              <p:par>
-                                <p:cTn id="15" presetID="9" presetClass="entr" presetSubtype="0" fill="hold" grpId="0" nodeType="afterEffect">
-                                  <p:stCondLst>
-                                    <p:cond delay="0"/>
-                                  </p:stCondLst>
-                                  <p:childTnLst>
-                                    <p:set>
-                                      <p:cBhvr>
-                                        <p:cTn id="16" dur="1" fill="hold">
-                                          <p:stCondLst>
-                                            <p:cond delay="0"/>
-                                          </p:stCondLst>
-                                        </p:cTn>
-                                        <p:tgtEl>
-                                          <p:spTgt spid="6"/>
-                                        </p:tgtEl>
-                                        <p:attrNameLst>
-                                          <p:attrName>style.visibility</p:attrName>
-                                        </p:attrNameLst>
-                                      </p:cBhvr>
-                                      <p:to>
-                                        <p:strVal val="visible"/>
-                                      </p:to>
-                                    </p:set>
-                                    <p:animEffect transition="in" filter="dissolve">
-                                      <p:cBhvr>
-                                        <p:cTn id="17" dur="500"/>
-                                        <p:tgtEl>
-                                          <p:spTgt spid="6"/>
-                                        </p:tgtEl>
-                                      </p:cBhvr>
-                                    </p:animEffect>
-                                  </p:childTnLst>
-                                </p:cTn>
-                              </p:par>
-                            </p:childTnLst>
-                          </p:cTn>
-                        </p:par>
-                      </p:childTnLst>
-                    </p:cTn>
-                  </p:par>
-                </p:childTnLst>
-              </p:cTn>
-              <p:prevCondLst>
-                <p:cond evt="onPrev" delay="0">
-                  <p:tgtEl>
-                    <p:sldTgt/>
-                  </p:tgtEl>
-                </p:cond>
-              </p:prevCondLst>
-              <p:nextCondLst>
-                <p:cond evt="onNext" delay="0">
-                  <p:tgtEl>
-                    <p:sldTgt/>
-                  </p:tgtEl>
-                </p:cond>
-              </p:nextCondLst>
-            </p:seq>
-          </p:childTnLst>
-        </p:cTn>
-      </p:par>
-    </p:tnLst>
-    <p:bldLst>
-      <p:bldP spid="5" grpId="0" animBg="1"/>
-      <p:bldP spid="6" grpId="0" animBg="1"/>
-    </p:bldLst>
-  </p:timing>
-</p:sld>
-</file>
-
-<file path=ppt/slides/slide11.xml><?xml version="1.0" encoding="utf-8"?>
-<p:sld xmlns:a="http://schemas.openxmlformats.org/drawingml/2006/main" xmlns:r="http://schemas.openxmlformats.org/officeDocument/2006/relationships" xmlns:p="http://schemas.openxmlformats.org/presentationml/2006/main">
-  <p:cSld>
-    <p:spTree>
-      <p:nvGrpSpPr>
-        <p:cNvPr id="1" name=""/>
-        <p:cNvGrpSpPr/>
-        <p:nvPr/>
-      </p:nvGrpSpPr>
-      <p:grpSpPr>
-        <a:xfrm>
-          <a:off x="0" y="0"/>
-          <a:ext cx="0" cy="0"/>
-          <a:chOff x="0" y="0"/>
-          <a:chExt cx="0" cy="0"/>
-        </a:xfrm>
-      </p:grpSpPr>
-      <p:sp>
-        <p:nvSpPr>
           <p:cNvPr id="4" name="矩形 3">
             <a:extLst>
               <a:ext uri="{FF2B5EF4-FFF2-40B4-BE49-F238E27FC236}">
@@ -7907,7 +7105,7 @@
 </p:sld>
 </file>
 
-<file path=ppt/slides/slide12.xml><?xml version="1.0" encoding="utf-8"?>
+<file path=ppt/slides/slide11.xml><?xml version="1.0" encoding="utf-8"?>
 <p:sld xmlns:a="http://schemas.openxmlformats.org/drawingml/2006/main" xmlns:r="http://schemas.openxmlformats.org/officeDocument/2006/relationships" xmlns:p="http://schemas.openxmlformats.org/presentationml/2006/main">
   <p:cSld>
     <p:spTree>
@@ -8714,7 +7912,7 @@
 </p:sld>
 </file>
 
-<file path=ppt/slides/slide13.xml><?xml version="1.0" encoding="utf-8"?>
+<file path=ppt/slides/slide12.xml><?xml version="1.0" encoding="utf-8"?>
 <p:sld xmlns:a="http://schemas.openxmlformats.org/drawingml/2006/main" xmlns:r="http://schemas.openxmlformats.org/officeDocument/2006/relationships" xmlns:p="http://schemas.openxmlformats.org/presentationml/2006/main">
   <p:cSld>
     <p:spTree>
@@ -9470,7 +8668,7 @@
 </p:sld>
 </file>
 
-<file path=ppt/slides/slide14.xml><?xml version="1.0" encoding="utf-8"?>
+<file path=ppt/slides/slide13.xml><?xml version="1.0" encoding="utf-8"?>
 <p:sld xmlns:a="http://schemas.openxmlformats.org/drawingml/2006/main" xmlns:r="http://schemas.openxmlformats.org/officeDocument/2006/relationships" xmlns:p="http://schemas.openxmlformats.org/presentationml/2006/main">
   <p:cSld>
     <p:spTree>
@@ -10094,7 +9292,7 @@
 </p:sld>
 </file>
 
-<file path=ppt/slides/slide15.xml><?xml version="1.0" encoding="utf-8"?>
+<file path=ppt/slides/slide14.xml><?xml version="1.0" encoding="utf-8"?>
 <p:sld xmlns:a="http://schemas.openxmlformats.org/drawingml/2006/main" xmlns:r="http://schemas.openxmlformats.org/officeDocument/2006/relationships" xmlns:p="http://schemas.openxmlformats.org/presentationml/2006/main">
   <p:cSld>
     <p:spTree>
@@ -10731,7 +9929,7 @@
 </p:sld>
 </file>
 
-<file path=ppt/slides/slide16.xml><?xml version="1.0" encoding="utf-8"?>
+<file path=ppt/slides/slide15.xml><?xml version="1.0" encoding="utf-8"?>
 <p:sld xmlns:a="http://schemas.openxmlformats.org/drawingml/2006/main" xmlns:r="http://schemas.openxmlformats.org/officeDocument/2006/relationships" xmlns:p="http://schemas.openxmlformats.org/presentationml/2006/main">
   <p:cSld>
     <p:spTree>
@@ -11159,7 +10357,7 @@
 </p:sld>
 </file>
 
-<file path=ppt/slides/slide17.xml><?xml version="1.0" encoding="utf-8"?>
+<file path=ppt/slides/slide16.xml><?xml version="1.0" encoding="utf-8"?>
 <p:sld xmlns:a="http://schemas.openxmlformats.org/drawingml/2006/main" xmlns:r="http://schemas.openxmlformats.org/officeDocument/2006/relationships" xmlns:p="http://schemas.openxmlformats.org/presentationml/2006/main">
   <p:cSld>
     <p:spTree>
@@ -12203,6 +11401,43 @@
               <a:ea typeface="Microsoft YaHei" panose="020B0503020204020204" pitchFamily="34" charset="-122"/>
             </a:endParaRPr>
           </a:p>
+          <a:p>
+            <a:pPr>
+              <a:lnSpc>
+                <a:spcPct val="200000"/>
+              </a:lnSpc>
+              <a:buClr>
+                <a:srgbClr val="C00000"/>
+              </a:buClr>
+              <a:buFont typeface="Wingdings" pitchFamily="2" charset="2"/>
+              <a:buChar char="u"/>
+            </a:pPr>
+            <a:r>
+              <a:rPr kumimoji="1" lang="zh-CN" altLang="en-US" sz="2000">
+                <a:latin typeface="Microsoft YaHei" panose="020B0503020204020204" pitchFamily="34" charset="-122"/>
+                <a:ea typeface="Microsoft YaHei" panose="020B0503020204020204" pitchFamily="34" charset="-122"/>
+              </a:rPr>
+              <a:t>  谈谈你对</a:t>
+            </a:r>
+            <a:r>
+              <a:rPr kumimoji="1" lang="en-US" altLang="zh-CN" sz="2000">
+                <a:latin typeface="Microsoft YaHei" panose="020B0503020204020204" pitchFamily="34" charset="-122"/>
+                <a:ea typeface="Microsoft YaHei" panose="020B0503020204020204" pitchFamily="34" charset="-122"/>
+              </a:rPr>
+              <a:t>Context</a:t>
+            </a:r>
+            <a:r>
+              <a:rPr kumimoji="1" lang="zh-CN" altLang="en-US" sz="2000">
+                <a:latin typeface="Microsoft YaHei" panose="020B0503020204020204" pitchFamily="34" charset="-122"/>
+                <a:ea typeface="Microsoft YaHei" panose="020B0503020204020204" pitchFamily="34" charset="-122"/>
+              </a:rPr>
+              <a:t>的理解？</a:t>
+            </a:r>
+            <a:endParaRPr kumimoji="1" lang="en-US" altLang="zh-CN" sz="2000">
+              <a:latin typeface="Microsoft YaHei" panose="020B0503020204020204" pitchFamily="34" charset="-122"/>
+              <a:ea typeface="Microsoft YaHei" panose="020B0503020204020204" pitchFamily="34" charset="-122"/>
+            </a:endParaRPr>
+          </a:p>
         </p:txBody>
       </p:sp>
     </p:spTree>
@@ -12532,221 +11767,27 @@
                       </p:childTnLst>
                     </p:cTn>
                   </p:par>
-                </p:childTnLst>
-              </p:cTn>
-              <p:prevCondLst>
-                <p:cond evt="onPrev" delay="0">
-                  <p:tgtEl>
-                    <p:sldTgt/>
-                  </p:tgtEl>
-                </p:cond>
-              </p:prevCondLst>
-              <p:nextCondLst>
-                <p:cond evt="onNext" delay="0">
-                  <p:tgtEl>
-                    <p:sldTgt/>
-                  </p:tgtEl>
-                </p:cond>
-              </p:nextCondLst>
-            </p:seq>
-          </p:childTnLst>
-        </p:cTn>
-      </p:par>
-    </p:tnLst>
-  </p:timing>
-</p:sld>
-</file>
-
-<file path=ppt/slides/slide3.xml><?xml version="1.0" encoding="utf-8"?>
-<p:sld xmlns:a="http://schemas.openxmlformats.org/drawingml/2006/main" xmlns:r="http://schemas.openxmlformats.org/officeDocument/2006/relationships" xmlns:p="http://schemas.openxmlformats.org/presentationml/2006/main">
-  <p:cSld>
-    <p:spTree>
-      <p:nvGrpSpPr>
-        <p:cNvPr id="1" name=""/>
-        <p:cNvGrpSpPr/>
-        <p:nvPr/>
-      </p:nvGrpSpPr>
-      <p:grpSpPr>
-        <a:xfrm>
-          <a:off x="0" y="0"/>
-          <a:ext cx="0" cy="0"/>
-          <a:chOff x="0" y="0"/>
-          <a:chExt cx="0" cy="0"/>
-        </a:xfrm>
-      </p:grpSpPr>
-      <p:sp>
-        <p:nvSpPr>
-          <p:cNvPr id="2" name="标题 1">
-            <a:extLst>
-              <a:ext uri="{FF2B5EF4-FFF2-40B4-BE49-F238E27FC236}">
-                <a16:creationId xmlns:a16="http://schemas.microsoft.com/office/drawing/2014/main" id="{46645D1D-BE4F-C648-A689-4614A5C9006E}"/>
-              </a:ext>
-            </a:extLst>
-          </p:cNvPr>
-          <p:cNvSpPr>
-            <a:spLocks noGrp="1"/>
-          </p:cNvSpPr>
-          <p:nvPr>
-            <p:ph type="title"/>
-          </p:nvPr>
-        </p:nvSpPr>
-        <p:spPr/>
-        <p:txBody>
-          <a:bodyPr>
-            <a:normAutofit/>
-          </a:bodyPr>
-          <a:lstStyle/>
-          <a:p>
-            <a:pPr algn="ctr"/>
-            <a:r>
-              <a:rPr kumimoji="1" lang="zh-CN" altLang="en-US" sz="3000" b="1">
-                <a:solidFill>
-                  <a:srgbClr val="C00000"/>
-                </a:solidFill>
-                <a:latin typeface="Microsoft YaHei" panose="020B0503020204020204" pitchFamily="34" charset="-122"/>
-                <a:ea typeface="Microsoft YaHei" panose="020B0503020204020204" pitchFamily="34" charset="-122"/>
-              </a:rPr>
-              <a:t>应用进程相关的面试问题</a:t>
-            </a:r>
-          </a:p>
-        </p:txBody>
-      </p:sp>
-      <p:sp>
-        <p:nvSpPr>
-          <p:cNvPr id="3" name="内容占位符 2">
-            <a:extLst>
-              <a:ext uri="{FF2B5EF4-FFF2-40B4-BE49-F238E27FC236}">
-                <a16:creationId xmlns:a16="http://schemas.microsoft.com/office/drawing/2014/main" id="{158BB63B-FEA9-0040-B8FD-E2D401B7DABB}"/>
-              </a:ext>
-            </a:extLst>
-          </p:cNvPr>
-          <p:cNvSpPr>
-            <a:spLocks noGrp="1"/>
-          </p:cNvSpPr>
-          <p:nvPr>
-            <p:ph idx="1"/>
-          </p:nvPr>
-        </p:nvSpPr>
-        <p:spPr/>
-        <p:txBody>
-          <a:bodyPr>
-            <a:normAutofit/>
-          </a:bodyPr>
-          <a:lstStyle/>
-          <a:p>
-            <a:pPr>
-              <a:lnSpc>
-                <a:spcPct val="200000"/>
-              </a:lnSpc>
-              <a:buClr>
-                <a:srgbClr val="C00000"/>
-              </a:buClr>
-              <a:buFont typeface="Wingdings" pitchFamily="2" charset="2"/>
-              <a:buChar char="u"/>
-            </a:pPr>
-            <a:r>
-              <a:rPr kumimoji="1" lang="zh-CN" altLang="en-US" sz="2000">
-                <a:latin typeface="Microsoft YaHei" panose="020B0503020204020204" pitchFamily="34" charset="-122"/>
-                <a:ea typeface="Microsoft YaHei" panose="020B0503020204020204" pitchFamily="34" charset="-122"/>
-              </a:rPr>
-              <a:t>  应用的</a:t>
-            </a:r>
-            <a:r>
-              <a:rPr kumimoji="1" lang="en-US" altLang="zh-CN" sz="2000">
-                <a:latin typeface="Microsoft YaHei" panose="020B0503020204020204" pitchFamily="34" charset="-122"/>
-                <a:ea typeface="Microsoft YaHei" panose="020B0503020204020204" pitchFamily="34" charset="-122"/>
-              </a:rPr>
-              <a:t>UI</a:t>
-            </a:r>
-            <a:r>
-              <a:rPr kumimoji="1" lang="zh-CN" altLang="en-US" sz="2000">
-                <a:latin typeface="Microsoft YaHei" panose="020B0503020204020204" pitchFamily="34" charset="-122"/>
-                <a:ea typeface="Microsoft YaHei" panose="020B0503020204020204" pitchFamily="34" charset="-122"/>
-              </a:rPr>
-              <a:t>线程是怎么启动的？</a:t>
-            </a:r>
-            <a:endParaRPr kumimoji="1" lang="en-US" altLang="zh-CN" sz="2000">
-              <a:latin typeface="Microsoft YaHei" panose="020B0503020204020204" pitchFamily="34" charset="-122"/>
-              <a:ea typeface="Microsoft YaHei" panose="020B0503020204020204" pitchFamily="34" charset="-122"/>
-            </a:endParaRPr>
-          </a:p>
-          <a:p>
-            <a:pPr>
-              <a:lnSpc>
-                <a:spcPct val="200000"/>
-              </a:lnSpc>
-              <a:buClr>
-                <a:srgbClr val="C00000"/>
-              </a:buClr>
-              <a:buFont typeface="Wingdings" pitchFamily="2" charset="2"/>
-              <a:buChar char="u"/>
-            </a:pPr>
-            <a:r>
-              <a:rPr kumimoji="1" lang="zh-CN" altLang="en-US" sz="2000">
-                <a:latin typeface="Microsoft YaHei" panose="020B0503020204020204" pitchFamily="34" charset="-122"/>
-                <a:ea typeface="Microsoft YaHei" panose="020B0503020204020204" pitchFamily="34" charset="-122"/>
-              </a:rPr>
-              <a:t>  谈谈你对</a:t>
-            </a:r>
-            <a:r>
-              <a:rPr kumimoji="1" lang="en-US" altLang="zh-CN" sz="2000">
-                <a:latin typeface="Microsoft YaHei" panose="020B0503020204020204" pitchFamily="34" charset="-122"/>
-                <a:ea typeface="Microsoft YaHei" panose="020B0503020204020204" pitchFamily="34" charset="-122"/>
-              </a:rPr>
-              <a:t>Context</a:t>
-            </a:r>
-            <a:r>
-              <a:rPr kumimoji="1" lang="zh-CN" altLang="en-US" sz="2000">
-                <a:latin typeface="Microsoft YaHei" panose="020B0503020204020204" pitchFamily="34" charset="-122"/>
-                <a:ea typeface="Microsoft YaHei" panose="020B0503020204020204" pitchFamily="34" charset="-122"/>
-              </a:rPr>
-              <a:t>的理解</a:t>
-            </a:r>
-          </a:p>
-        </p:txBody>
-      </p:sp>
-    </p:spTree>
-    <p:extLst>
-      <p:ext uri="{BB962C8B-B14F-4D97-AF65-F5344CB8AC3E}">
-        <p14:creationId xmlns:p14="http://schemas.microsoft.com/office/powerpoint/2010/main" val="1311694093"/>
-      </p:ext>
-    </p:extLst>
-  </p:cSld>
-  <p:clrMapOvr>
-    <a:masterClrMapping/>
-  </p:clrMapOvr>
-  <p:timing>
-    <p:tnLst>
-      <p:par>
-        <p:cTn id="1" dur="indefinite" restart="never" nodeType="tmRoot">
-          <p:childTnLst>
-            <p:seq concurrent="1" nextAc="seek">
-              <p:cTn id="2" dur="indefinite" nodeType="mainSeq">
-                <p:childTnLst>
                   <p:par>
-                    <p:cTn id="3" fill="hold">
+                    <p:cTn id="21" fill="hold">
                       <p:stCondLst>
                         <p:cond delay="indefinite"/>
-                        <p:cond evt="onBegin" delay="0">
-                          <p:tn val="2"/>
-                        </p:cond>
                       </p:stCondLst>
                       <p:childTnLst>
                         <p:par>
-                          <p:cTn id="4" fill="hold">
+                          <p:cTn id="22" fill="hold">
                             <p:stCondLst>
                               <p:cond delay="0"/>
                             </p:stCondLst>
                             <p:childTnLst>
                               <p:par>
-                                <p:cTn id="5" presetID="2" presetClass="entr" presetSubtype="4" fill="hold" nodeType="withEffect">
+                                <p:cTn id="23" presetID="2" presetClass="entr" presetSubtype="4" fill="hold" nodeType="clickEffect">
                                   <p:stCondLst>
                                     <p:cond delay="0"/>
                                   </p:stCondLst>
                                   <p:childTnLst>
                                     <p:set>
                                       <p:cBhvr>
-                                        <p:cTn id="6" dur="1" fill="hold">
+                                        <p:cTn id="24" dur="1" fill="hold">
                                           <p:stCondLst>
                                             <p:cond delay="0"/>
                                           </p:stCondLst>
@@ -12754,7 +11795,7 @@
                                         <p:tgtEl>
                                           <p:spTgt spid="3">
                                             <p:txEl>
-                                              <p:pRg st="0" end="0"/>
+                                              <p:pRg st="3" end="3"/>
                                             </p:txEl>
                                           </p:spTgt>
                                         </p:tgtEl>
@@ -12768,11 +11809,11 @@
                                     </p:set>
                                     <p:anim calcmode="lin" valueType="num">
                                       <p:cBhvr additive="base">
-                                        <p:cTn id="7" dur="500" fill="hold"/>
+                                        <p:cTn id="25" dur="500" fill="hold"/>
                                         <p:tgtEl>
                                           <p:spTgt spid="3">
                                             <p:txEl>
-                                              <p:pRg st="0" end="0"/>
+                                              <p:pRg st="3" end="3"/>
                                             </p:txEl>
                                           </p:spTgt>
                                         </p:tgtEl>
@@ -12795,96 +11836,11 @@
                                     </p:anim>
                                     <p:anim calcmode="lin" valueType="num">
                                       <p:cBhvr additive="base">
-                                        <p:cTn id="8" dur="500" fill="hold"/>
+                                        <p:cTn id="26" dur="500" fill="hold"/>
                                         <p:tgtEl>
                                           <p:spTgt spid="3">
                                             <p:txEl>
-                                              <p:pRg st="0" end="0"/>
-                                            </p:txEl>
-                                          </p:spTgt>
-                                        </p:tgtEl>
-                                        <p:attrNameLst>
-                                          <p:attrName>ppt_y</p:attrName>
-                                        </p:attrNameLst>
-                                      </p:cBhvr>
-                                      <p:tavLst>
-                                        <p:tav tm="0">
-                                          <p:val>
-                                            <p:strVal val="1+#ppt_h/2"/>
-                                          </p:val>
-                                        </p:tav>
-                                        <p:tav tm="100000">
-                                          <p:val>
-                                            <p:strVal val="#ppt_y"/>
-                                          </p:val>
-                                        </p:tav>
-                                      </p:tavLst>
-                                    </p:anim>
-                                  </p:childTnLst>
-                                </p:cTn>
-                              </p:par>
-                              <p:par>
-                                <p:cTn id="9" presetID="2" presetClass="entr" presetSubtype="4" fill="hold" nodeType="withEffect">
-                                  <p:stCondLst>
-                                    <p:cond delay="0"/>
-                                  </p:stCondLst>
-                                  <p:childTnLst>
-                                    <p:set>
-                                      <p:cBhvr>
-                                        <p:cTn id="10" dur="1" fill="hold">
-                                          <p:stCondLst>
-                                            <p:cond delay="0"/>
-                                          </p:stCondLst>
-                                        </p:cTn>
-                                        <p:tgtEl>
-                                          <p:spTgt spid="3">
-                                            <p:txEl>
-                                              <p:pRg st="1" end="1"/>
-                                            </p:txEl>
-                                          </p:spTgt>
-                                        </p:tgtEl>
-                                        <p:attrNameLst>
-                                          <p:attrName>style.visibility</p:attrName>
-                                        </p:attrNameLst>
-                                      </p:cBhvr>
-                                      <p:to>
-                                        <p:strVal val="visible"/>
-                                      </p:to>
-                                    </p:set>
-                                    <p:anim calcmode="lin" valueType="num">
-                                      <p:cBhvr additive="base">
-                                        <p:cTn id="11" dur="500" fill="hold"/>
-                                        <p:tgtEl>
-                                          <p:spTgt spid="3">
-                                            <p:txEl>
-                                              <p:pRg st="1" end="1"/>
-                                            </p:txEl>
-                                          </p:spTgt>
-                                        </p:tgtEl>
-                                        <p:attrNameLst>
-                                          <p:attrName>ppt_x</p:attrName>
-                                        </p:attrNameLst>
-                                      </p:cBhvr>
-                                      <p:tavLst>
-                                        <p:tav tm="0">
-                                          <p:val>
-                                            <p:strVal val="#ppt_x"/>
-                                          </p:val>
-                                        </p:tav>
-                                        <p:tav tm="100000">
-                                          <p:val>
-                                            <p:strVal val="#ppt_x"/>
-                                          </p:val>
-                                        </p:tav>
-                                      </p:tavLst>
-                                    </p:anim>
-                                    <p:anim calcmode="lin" valueType="num">
-                                      <p:cBhvr additive="base">
-                                        <p:cTn id="12" dur="500" fill="hold"/>
-                                        <p:tgtEl>
-                                          <p:spTgt spid="3">
-                                            <p:txEl>
-                                              <p:pRg st="1" end="1"/>
+                                              <p:pRg st="3" end="3"/>
                                             </p:txEl>
                                           </p:spTgt>
                                         </p:tgtEl>
@@ -12939,7 +11895,7 @@
 </p:sld>
 </file>
 
-<file path=ppt/slides/slide4.xml><?xml version="1.0" encoding="utf-8"?>
+<file path=ppt/slides/slide3.xml><?xml version="1.0" encoding="utf-8"?>
 <p:sld xmlns:a="http://schemas.openxmlformats.org/drawingml/2006/main" xmlns:r="http://schemas.openxmlformats.org/officeDocument/2006/relationships" xmlns:p="http://schemas.openxmlformats.org/presentationml/2006/main">
   <p:cSld>
     <p:spTree>
@@ -13010,7 +11966,7 @@
 </p:sld>
 </file>
 
-<file path=ppt/slides/slide5.xml><?xml version="1.0" encoding="utf-8"?>
+<file path=ppt/slides/slide4.xml><?xml version="1.0" encoding="utf-8"?>
 <p:sld xmlns:a="http://schemas.openxmlformats.org/drawingml/2006/main" xmlns:r="http://schemas.openxmlformats.org/officeDocument/2006/relationships" xmlns:p="http://schemas.openxmlformats.org/presentationml/2006/main">
   <p:cSld>
     <p:spTree>
@@ -13539,7 +12495,7 @@
 </p:sld>
 </file>
 
-<file path=ppt/slides/slide6.xml><?xml version="1.0" encoding="utf-8"?>
+<file path=ppt/slides/slide5.xml><?xml version="1.0" encoding="utf-8"?>
 <p:sld xmlns:a="http://schemas.openxmlformats.org/drawingml/2006/main" xmlns:r="http://schemas.openxmlformats.org/officeDocument/2006/relationships" xmlns:p="http://schemas.openxmlformats.org/presentationml/2006/main">
   <p:cSld>
     <p:spTree>
@@ -13949,7 +12905,7 @@
 </p:sld>
 </file>
 
-<file path=ppt/slides/slide7.xml><?xml version="1.0" encoding="utf-8"?>
+<file path=ppt/slides/slide6.xml><?xml version="1.0" encoding="utf-8"?>
 <p:sld xmlns:a="http://schemas.openxmlformats.org/drawingml/2006/main" xmlns:r="http://schemas.openxmlformats.org/officeDocument/2006/relationships" xmlns:p="http://schemas.openxmlformats.org/presentationml/2006/main">
   <p:cSld>
     <p:spTree>
@@ -14318,7 +13274,7 @@
 </p:sld>
 </file>
 
-<file path=ppt/slides/slide8.xml><?xml version="1.0" encoding="utf-8"?>
+<file path=ppt/slides/slide7.xml><?xml version="1.0" encoding="utf-8"?>
 <p:sld xmlns:a="http://schemas.openxmlformats.org/drawingml/2006/main" xmlns:r="http://schemas.openxmlformats.org/officeDocument/2006/relationships" xmlns:p="http://schemas.openxmlformats.org/presentationml/2006/main">
   <p:cSld>
     <p:spTree>
@@ -14733,7 +13689,7 @@
 </p:sld>
 </file>
 
-<file path=ppt/slides/slide9.xml><?xml version="1.0" encoding="utf-8"?>
+<file path=ppt/slides/slide8.xml><?xml version="1.0" encoding="utf-8"?>
 <p:sld xmlns:a="http://schemas.openxmlformats.org/drawingml/2006/main" xmlns:r="http://schemas.openxmlformats.org/officeDocument/2006/relationships" xmlns:p="http://schemas.openxmlformats.org/presentationml/2006/main">
   <p:cSld>
     <p:spTree>
@@ -15410,6 +14366,807 @@
       <p:bldP spid="8" grpId="0"/>
       <p:bldP spid="9" grpId="0" animBg="1"/>
       <p:bldP spid="10" grpId="0" animBg="1"/>
+    </p:bldLst>
+  </p:timing>
+</p:sld>
+</file>
+
+<file path=ppt/slides/slide9.xml><?xml version="1.0" encoding="utf-8"?>
+<p:sld xmlns:a="http://schemas.openxmlformats.org/drawingml/2006/main" xmlns:r="http://schemas.openxmlformats.org/officeDocument/2006/relationships" xmlns:p="http://schemas.openxmlformats.org/presentationml/2006/main">
+  <p:cSld>
+    <p:spTree>
+      <p:nvGrpSpPr>
+        <p:cNvPr id="1" name=""/>
+        <p:cNvGrpSpPr/>
+        <p:nvPr/>
+      </p:nvGrpSpPr>
+      <p:grpSpPr>
+        <a:xfrm>
+          <a:off x="0" y="0"/>
+          <a:ext cx="0" cy="0"/>
+          <a:chOff x="0" y="0"/>
+          <a:chExt cx="0" cy="0"/>
+        </a:xfrm>
+      </p:grpSpPr>
+      <p:sp>
+        <p:nvSpPr>
+          <p:cNvPr id="5" name="矩形 4">
+            <a:extLst>
+              <a:ext uri="{FF2B5EF4-FFF2-40B4-BE49-F238E27FC236}">
+                <a16:creationId xmlns:a16="http://schemas.microsoft.com/office/drawing/2014/main" id="{1D1A1964-C697-A24E-8386-7EDE9D11CF36}"/>
+              </a:ext>
+            </a:extLst>
+          </p:cNvPr>
+          <p:cNvSpPr/>
+          <p:nvPr/>
+        </p:nvSpPr>
+        <p:spPr>
+          <a:xfrm>
+            <a:off x="342901" y="448092"/>
+            <a:ext cx="8458199" cy="2862322"/>
+          </a:xfrm>
+          <a:prstGeom prst="rect">
+            <a:avLst/>
+          </a:prstGeom>
+          <a:ln w="22225">
+            <a:solidFill>
+              <a:srgbClr val="C00000"/>
+            </a:solidFill>
+            <a:prstDash val="dash"/>
+          </a:ln>
+        </p:spPr>
+        <p:txBody>
+          <a:bodyPr wrap="square">
+            <a:spAutoFit/>
+          </a:bodyPr>
+          <a:lstStyle/>
+          <a:p>
+            <a:r>
+              <a:rPr lang="en-US" altLang="zh-CN" sz="1800">
+                <a:solidFill>
+                  <a:srgbClr val="CC7832"/>
+                </a:solidFill>
+                <a:effectLst/>
+                <a:latin typeface="Microsoft YaHei" panose="020B0503020204020204" pitchFamily="34" charset="-122"/>
+                <a:ea typeface="Microsoft YaHei" panose="020B0503020204020204" pitchFamily="34" charset="-122"/>
+              </a:rPr>
+              <a:t>public static void </a:t>
+            </a:r>
+            <a:r>
+              <a:rPr lang="en-US" altLang="zh-CN" sz="1800">
+                <a:solidFill>
+                  <a:srgbClr val="FFC66D"/>
+                </a:solidFill>
+                <a:effectLst/>
+                <a:latin typeface="Microsoft YaHei" panose="020B0503020204020204" pitchFamily="34" charset="-122"/>
+                <a:ea typeface="Microsoft YaHei" panose="020B0503020204020204" pitchFamily="34" charset="-122"/>
+              </a:rPr>
+              <a:t>main</a:t>
+            </a:r>
+            <a:r>
+              <a:rPr lang="en-US" altLang="zh-CN" sz="1800">
+                <a:latin typeface="Microsoft YaHei" panose="020B0503020204020204" pitchFamily="34" charset="-122"/>
+                <a:ea typeface="Microsoft YaHei" panose="020B0503020204020204" pitchFamily="34" charset="-122"/>
+              </a:rPr>
+              <a:t>(String[] args) {</a:t>
+            </a:r>
+            <a:br>
+              <a:rPr lang="en-US" altLang="zh-CN" sz="1800">
+                <a:solidFill>
+                  <a:srgbClr val="CC7832"/>
+                </a:solidFill>
+                <a:effectLst/>
+                <a:latin typeface="Microsoft YaHei" panose="020B0503020204020204" pitchFamily="34" charset="-122"/>
+                <a:ea typeface="Microsoft YaHei" panose="020B0503020204020204" pitchFamily="34" charset="-122"/>
+              </a:rPr>
+            </a:br>
+            <a:r>
+              <a:rPr lang="en-US" altLang="zh-CN" sz="1800">
+                <a:solidFill>
+                  <a:srgbClr val="CC7832"/>
+                </a:solidFill>
+                <a:effectLst/>
+                <a:latin typeface="Microsoft YaHei" panose="020B0503020204020204" pitchFamily="34" charset="-122"/>
+                <a:ea typeface="Microsoft YaHei" panose="020B0503020204020204" pitchFamily="34" charset="-122"/>
+              </a:rPr>
+              <a:t>    </a:t>
+            </a:r>
+            <a:r>
+              <a:rPr lang="en-US" altLang="zh-CN" sz="1800">
+                <a:latin typeface="Microsoft YaHei" panose="020B0503020204020204" pitchFamily="34" charset="-122"/>
+                <a:ea typeface="Microsoft YaHei" panose="020B0503020204020204" pitchFamily="34" charset="-122"/>
+              </a:rPr>
+              <a:t>Looper.</a:t>
+            </a:r>
+            <a:r>
+              <a:rPr lang="en-US" altLang="zh-CN" sz="1800">
+                <a:effectLst/>
+                <a:latin typeface="Microsoft YaHei" panose="020B0503020204020204" pitchFamily="34" charset="-122"/>
+                <a:ea typeface="Microsoft YaHei" panose="020B0503020204020204" pitchFamily="34" charset="-122"/>
+              </a:rPr>
+              <a:t>prepareMainLooper</a:t>
+            </a:r>
+            <a:r>
+              <a:rPr lang="en-US" altLang="zh-CN" sz="1800">
+                <a:latin typeface="Microsoft YaHei" panose="020B0503020204020204" pitchFamily="34" charset="-122"/>
+                <a:ea typeface="Microsoft YaHei" panose="020B0503020204020204" pitchFamily="34" charset="-122"/>
+              </a:rPr>
+              <a:t>()</a:t>
+            </a:r>
+            <a:r>
+              <a:rPr lang="en-US" altLang="zh-CN" sz="1800">
+                <a:solidFill>
+                  <a:srgbClr val="CC7832"/>
+                </a:solidFill>
+                <a:effectLst/>
+                <a:latin typeface="Microsoft YaHei" panose="020B0503020204020204" pitchFamily="34" charset="-122"/>
+                <a:ea typeface="Microsoft YaHei" panose="020B0503020204020204" pitchFamily="34" charset="-122"/>
+              </a:rPr>
+              <a:t>;</a:t>
+            </a:r>
+            <a:br>
+              <a:rPr lang="en-US" altLang="zh-CN" sz="1800">
+                <a:solidFill>
+                  <a:srgbClr val="CC7832"/>
+                </a:solidFill>
+                <a:effectLst/>
+                <a:latin typeface="Microsoft YaHei" panose="020B0503020204020204" pitchFamily="34" charset="-122"/>
+                <a:ea typeface="Microsoft YaHei" panose="020B0503020204020204" pitchFamily="34" charset="-122"/>
+              </a:rPr>
+            </a:br>
+            <a:br>
+              <a:rPr lang="en-US" altLang="zh-CN" sz="1800">
+                <a:solidFill>
+                  <a:srgbClr val="CC7832"/>
+                </a:solidFill>
+                <a:effectLst/>
+                <a:latin typeface="Microsoft YaHei" panose="020B0503020204020204" pitchFamily="34" charset="-122"/>
+                <a:ea typeface="Microsoft YaHei" panose="020B0503020204020204" pitchFamily="34" charset="-122"/>
+              </a:rPr>
+            </a:br>
+            <a:r>
+              <a:rPr lang="en-US" altLang="zh-CN" sz="1800">
+                <a:solidFill>
+                  <a:srgbClr val="CC7832"/>
+                </a:solidFill>
+                <a:effectLst/>
+                <a:latin typeface="Microsoft YaHei" panose="020B0503020204020204" pitchFamily="34" charset="-122"/>
+                <a:ea typeface="Microsoft YaHei" panose="020B0503020204020204" pitchFamily="34" charset="-122"/>
+              </a:rPr>
+              <a:t>    </a:t>
+            </a:r>
+            <a:r>
+              <a:rPr lang="en-US" altLang="zh-CN" sz="1800">
+                <a:latin typeface="Microsoft YaHei" panose="020B0503020204020204" pitchFamily="34" charset="-122"/>
+                <a:ea typeface="Microsoft YaHei" panose="020B0503020204020204" pitchFamily="34" charset="-122"/>
+              </a:rPr>
+              <a:t>ActivityThread thread = </a:t>
+            </a:r>
+            <a:r>
+              <a:rPr lang="en-US" altLang="zh-CN" sz="1800">
+                <a:solidFill>
+                  <a:srgbClr val="CC7832"/>
+                </a:solidFill>
+                <a:effectLst/>
+                <a:latin typeface="Microsoft YaHei" panose="020B0503020204020204" pitchFamily="34" charset="-122"/>
+                <a:ea typeface="Microsoft YaHei" panose="020B0503020204020204" pitchFamily="34" charset="-122"/>
+              </a:rPr>
+              <a:t>new </a:t>
+            </a:r>
+            <a:r>
+              <a:rPr lang="en-US" altLang="zh-CN" sz="1800">
+                <a:latin typeface="Microsoft YaHei" panose="020B0503020204020204" pitchFamily="34" charset="-122"/>
+                <a:ea typeface="Microsoft YaHei" panose="020B0503020204020204" pitchFamily="34" charset="-122"/>
+              </a:rPr>
+              <a:t>ActivityThread()</a:t>
+            </a:r>
+            <a:r>
+              <a:rPr lang="en-US" altLang="zh-CN" sz="1800">
+                <a:solidFill>
+                  <a:srgbClr val="CC7832"/>
+                </a:solidFill>
+                <a:effectLst/>
+                <a:latin typeface="Microsoft YaHei" panose="020B0503020204020204" pitchFamily="34" charset="-122"/>
+                <a:ea typeface="Microsoft YaHei" panose="020B0503020204020204" pitchFamily="34" charset="-122"/>
+              </a:rPr>
+              <a:t>;</a:t>
+            </a:r>
+            <a:br>
+              <a:rPr lang="en-US" altLang="zh-CN" sz="1800">
+                <a:solidFill>
+                  <a:srgbClr val="CC7832"/>
+                </a:solidFill>
+                <a:effectLst/>
+                <a:latin typeface="Microsoft YaHei" panose="020B0503020204020204" pitchFamily="34" charset="-122"/>
+                <a:ea typeface="Microsoft YaHei" panose="020B0503020204020204" pitchFamily="34" charset="-122"/>
+              </a:rPr>
+            </a:br>
+            <a:r>
+              <a:rPr lang="en-US" altLang="zh-CN" sz="1800">
+                <a:solidFill>
+                  <a:srgbClr val="CC7832"/>
+                </a:solidFill>
+                <a:effectLst/>
+                <a:latin typeface="Microsoft YaHei" panose="020B0503020204020204" pitchFamily="34" charset="-122"/>
+                <a:ea typeface="Microsoft YaHei" panose="020B0503020204020204" pitchFamily="34" charset="-122"/>
+              </a:rPr>
+              <a:t>    </a:t>
+            </a:r>
+            <a:r>
+              <a:rPr lang="en-US" altLang="zh-CN" sz="1800">
+                <a:latin typeface="Microsoft YaHei" panose="020B0503020204020204" pitchFamily="34" charset="-122"/>
+                <a:ea typeface="Microsoft YaHei" panose="020B0503020204020204" pitchFamily="34" charset="-122"/>
+              </a:rPr>
+              <a:t>thread.attach(</a:t>
+            </a:r>
+            <a:r>
+              <a:rPr lang="en-US" altLang="zh-CN" sz="1800">
+                <a:solidFill>
+                  <a:srgbClr val="CC7832"/>
+                </a:solidFill>
+                <a:effectLst/>
+                <a:latin typeface="Microsoft YaHei" panose="020B0503020204020204" pitchFamily="34" charset="-122"/>
+                <a:ea typeface="Microsoft YaHei" panose="020B0503020204020204" pitchFamily="34" charset="-122"/>
+              </a:rPr>
+              <a:t>false</a:t>
+            </a:r>
+            <a:r>
+              <a:rPr lang="en-US" altLang="zh-CN" sz="1800">
+                <a:latin typeface="Microsoft YaHei" panose="020B0503020204020204" pitchFamily="34" charset="-122"/>
+                <a:ea typeface="Microsoft YaHei" panose="020B0503020204020204" pitchFamily="34" charset="-122"/>
+              </a:rPr>
+              <a:t>)</a:t>
+            </a:r>
+            <a:r>
+              <a:rPr lang="en-US" altLang="zh-CN" sz="1800">
+                <a:solidFill>
+                  <a:srgbClr val="CC7832"/>
+                </a:solidFill>
+                <a:effectLst/>
+                <a:latin typeface="Microsoft YaHei" panose="020B0503020204020204" pitchFamily="34" charset="-122"/>
+                <a:ea typeface="Microsoft YaHei" panose="020B0503020204020204" pitchFamily="34" charset="-122"/>
+              </a:rPr>
+              <a:t>;</a:t>
+            </a:r>
+            <a:br>
+              <a:rPr lang="en-US" altLang="zh-CN" sz="1800">
+                <a:latin typeface="Microsoft YaHei" panose="020B0503020204020204" pitchFamily="34" charset="-122"/>
+                <a:ea typeface="Microsoft YaHei" panose="020B0503020204020204" pitchFamily="34" charset="-122"/>
+              </a:rPr>
+            </a:br>
+            <a:endParaRPr lang="en-US" altLang="zh-CN" sz="1800">
+              <a:latin typeface="Microsoft YaHei" panose="020B0503020204020204" pitchFamily="34" charset="-122"/>
+              <a:ea typeface="Microsoft YaHei" panose="020B0503020204020204" pitchFamily="34" charset="-122"/>
+            </a:endParaRPr>
+          </a:p>
+          <a:p>
+            <a:r>
+              <a:rPr lang="zh-CN" altLang="en-US" sz="1800">
+                <a:latin typeface="Microsoft YaHei" panose="020B0503020204020204" pitchFamily="34" charset="-122"/>
+                <a:ea typeface="Microsoft YaHei" panose="020B0503020204020204" pitchFamily="34" charset="-122"/>
+              </a:rPr>
+              <a:t>    </a:t>
+            </a:r>
+            <a:r>
+              <a:rPr lang="en-US" altLang="zh-CN" sz="1800">
+                <a:latin typeface="Microsoft YaHei" panose="020B0503020204020204" pitchFamily="34" charset="-122"/>
+                <a:ea typeface="Microsoft YaHei" panose="020B0503020204020204" pitchFamily="34" charset="-122"/>
+              </a:rPr>
+              <a:t>Looper.</a:t>
+            </a:r>
+            <a:r>
+              <a:rPr lang="en-US" altLang="zh-CN" sz="1800">
+                <a:effectLst/>
+                <a:latin typeface="Microsoft YaHei" panose="020B0503020204020204" pitchFamily="34" charset="-122"/>
+                <a:ea typeface="Microsoft YaHei" panose="020B0503020204020204" pitchFamily="34" charset="-122"/>
+              </a:rPr>
+              <a:t>loop</a:t>
+            </a:r>
+            <a:r>
+              <a:rPr lang="en-US" altLang="zh-CN" sz="1800">
+                <a:latin typeface="Microsoft YaHei" panose="020B0503020204020204" pitchFamily="34" charset="-122"/>
+                <a:ea typeface="Microsoft YaHei" panose="020B0503020204020204" pitchFamily="34" charset="-122"/>
+              </a:rPr>
+              <a:t>()</a:t>
+            </a:r>
+            <a:r>
+              <a:rPr lang="en-US" altLang="zh-CN" sz="1800">
+                <a:solidFill>
+                  <a:srgbClr val="CC7832"/>
+                </a:solidFill>
+                <a:effectLst/>
+                <a:latin typeface="Microsoft YaHei" panose="020B0503020204020204" pitchFamily="34" charset="-122"/>
+                <a:ea typeface="Microsoft YaHei" panose="020B0503020204020204" pitchFamily="34" charset="-122"/>
+              </a:rPr>
+              <a:t>;</a:t>
+            </a:r>
+            <a:br>
+              <a:rPr lang="en-US" altLang="zh-CN" sz="1800">
+                <a:solidFill>
+                  <a:srgbClr val="CC7832"/>
+                </a:solidFill>
+                <a:effectLst/>
+                <a:latin typeface="Microsoft YaHei" panose="020B0503020204020204" pitchFamily="34" charset="-122"/>
+                <a:ea typeface="Microsoft YaHei" panose="020B0503020204020204" pitchFamily="34" charset="-122"/>
+              </a:rPr>
+            </a:br>
+            <a:br>
+              <a:rPr lang="en-US" altLang="zh-CN" sz="1800">
+                <a:solidFill>
+                  <a:srgbClr val="CC7832"/>
+                </a:solidFill>
+                <a:effectLst/>
+                <a:latin typeface="Microsoft YaHei" panose="020B0503020204020204" pitchFamily="34" charset="-122"/>
+                <a:ea typeface="Microsoft YaHei" panose="020B0503020204020204" pitchFamily="34" charset="-122"/>
+              </a:rPr>
+            </a:br>
+            <a:r>
+              <a:rPr lang="en-US" altLang="zh-CN" sz="1800">
+                <a:solidFill>
+                  <a:srgbClr val="CC7832"/>
+                </a:solidFill>
+                <a:effectLst/>
+                <a:latin typeface="Microsoft YaHei" panose="020B0503020204020204" pitchFamily="34" charset="-122"/>
+                <a:ea typeface="Microsoft YaHei" panose="020B0503020204020204" pitchFamily="34" charset="-122"/>
+              </a:rPr>
+              <a:t>    throw new </a:t>
+            </a:r>
+            <a:r>
+              <a:rPr lang="en-US" altLang="zh-CN" sz="1800">
+                <a:latin typeface="Microsoft YaHei" panose="020B0503020204020204" pitchFamily="34" charset="-122"/>
+                <a:ea typeface="Microsoft YaHei" panose="020B0503020204020204" pitchFamily="34" charset="-122"/>
+              </a:rPr>
+              <a:t>RuntimeException(</a:t>
+            </a:r>
+            <a:r>
+              <a:rPr lang="en-US" altLang="zh-CN" sz="1800">
+                <a:solidFill>
+                  <a:srgbClr val="6A8759"/>
+                </a:solidFill>
+                <a:effectLst/>
+                <a:latin typeface="Microsoft YaHei" panose="020B0503020204020204" pitchFamily="34" charset="-122"/>
+                <a:ea typeface="Microsoft YaHei" panose="020B0503020204020204" pitchFamily="34" charset="-122"/>
+              </a:rPr>
+              <a:t>“Main thread loop unexpectedly exited”</a:t>
+            </a:r>
+            <a:r>
+              <a:rPr lang="en-US" altLang="zh-CN" sz="1800">
+                <a:latin typeface="Microsoft YaHei" panose="020B0503020204020204" pitchFamily="34" charset="-122"/>
+                <a:ea typeface="Microsoft YaHei" panose="020B0503020204020204" pitchFamily="34" charset="-122"/>
+              </a:rPr>
+              <a:t>);</a:t>
+            </a:r>
+            <a:br>
+              <a:rPr lang="en-US" altLang="zh-CN" sz="1800">
+                <a:solidFill>
+                  <a:srgbClr val="CC7832"/>
+                </a:solidFill>
+                <a:effectLst/>
+                <a:latin typeface="Microsoft YaHei" panose="020B0503020204020204" pitchFamily="34" charset="-122"/>
+                <a:ea typeface="Microsoft YaHei" panose="020B0503020204020204" pitchFamily="34" charset="-122"/>
+              </a:rPr>
+            </a:br>
+            <a:r>
+              <a:rPr lang="en-US" altLang="zh-CN" sz="1800">
+                <a:latin typeface="Microsoft YaHei" panose="020B0503020204020204" pitchFamily="34" charset="-122"/>
+                <a:ea typeface="Microsoft YaHei" panose="020B0503020204020204" pitchFamily="34" charset="-122"/>
+              </a:rPr>
+              <a:t>}</a:t>
+            </a:r>
+            <a:endParaRPr lang="zh-CN" altLang="en-US" sz="1800">
+              <a:latin typeface="Microsoft YaHei" panose="020B0503020204020204" pitchFamily="34" charset="-122"/>
+              <a:ea typeface="Microsoft YaHei" panose="020B0503020204020204" pitchFamily="34" charset="-122"/>
+            </a:endParaRPr>
+          </a:p>
+        </p:txBody>
+      </p:sp>
+      <p:sp>
+        <p:nvSpPr>
+          <p:cNvPr id="6" name="矩形 5">
+            <a:extLst>
+              <a:ext uri="{FF2B5EF4-FFF2-40B4-BE49-F238E27FC236}">
+                <a16:creationId xmlns:a16="http://schemas.microsoft.com/office/drawing/2014/main" id="{345670A3-4381-1C4E-80F8-F8F9AD50AE1B}"/>
+              </a:ext>
+            </a:extLst>
+          </p:cNvPr>
+          <p:cNvSpPr/>
+          <p:nvPr/>
+        </p:nvSpPr>
+        <p:spPr>
+          <a:xfrm>
+            <a:off x="434051" y="3750252"/>
+            <a:ext cx="8275898" cy="646331"/>
+          </a:xfrm>
+          <a:prstGeom prst="rect">
+            <a:avLst/>
+          </a:prstGeom>
+          <a:ln w="22225">
+            <a:solidFill>
+              <a:srgbClr val="C00000"/>
+            </a:solidFill>
+            <a:prstDash val="dash"/>
+          </a:ln>
+        </p:spPr>
+        <p:txBody>
+          <a:bodyPr wrap="square">
+            <a:spAutoFit/>
+          </a:bodyPr>
+          <a:lstStyle/>
+          <a:p>
+            <a:r>
+              <a:rPr lang="en-US" altLang="zh-CN" sz="1800">
+                <a:solidFill>
+                  <a:srgbClr val="CC7832"/>
+                </a:solidFill>
+                <a:effectLst/>
+                <a:latin typeface="Microsoft YaHei" panose="020B0503020204020204" pitchFamily="34" charset="-122"/>
+                <a:ea typeface="Microsoft YaHei" panose="020B0503020204020204" pitchFamily="34" charset="-122"/>
+              </a:rPr>
+              <a:t>final </a:t>
+            </a:r>
+            <a:r>
+              <a:rPr lang="en-US" altLang="zh-CN" sz="1800">
+                <a:latin typeface="Microsoft YaHei" panose="020B0503020204020204" pitchFamily="34" charset="-122"/>
+                <a:ea typeface="Microsoft YaHei" panose="020B0503020204020204" pitchFamily="34" charset="-122"/>
+              </a:rPr>
+              <a:t>IActivityManager mgr = ActivityManagerNative.</a:t>
+            </a:r>
+            <a:r>
+              <a:rPr lang="en-US" altLang="zh-CN" sz="1800">
+                <a:effectLst/>
+                <a:latin typeface="Microsoft YaHei" panose="020B0503020204020204" pitchFamily="34" charset="-122"/>
+                <a:ea typeface="Microsoft YaHei" panose="020B0503020204020204" pitchFamily="34" charset="-122"/>
+              </a:rPr>
+              <a:t>getDefault</a:t>
+            </a:r>
+            <a:r>
+              <a:rPr lang="en-US" altLang="zh-CN" sz="1800">
+                <a:latin typeface="Microsoft YaHei" panose="020B0503020204020204" pitchFamily="34" charset="-122"/>
+                <a:ea typeface="Microsoft YaHei" panose="020B0503020204020204" pitchFamily="34" charset="-122"/>
+              </a:rPr>
+              <a:t>()</a:t>
+            </a:r>
+            <a:r>
+              <a:rPr lang="en-US" altLang="zh-CN" sz="1800">
+                <a:solidFill>
+                  <a:srgbClr val="CC7832"/>
+                </a:solidFill>
+                <a:effectLst/>
+                <a:latin typeface="Microsoft YaHei" panose="020B0503020204020204" pitchFamily="34" charset="-122"/>
+                <a:ea typeface="Microsoft YaHei" panose="020B0503020204020204" pitchFamily="34" charset="-122"/>
+              </a:rPr>
+              <a:t>;</a:t>
+            </a:r>
+            <a:br>
+              <a:rPr lang="en-US" altLang="zh-CN" sz="1800">
+                <a:solidFill>
+                  <a:srgbClr val="CC7832"/>
+                </a:solidFill>
+                <a:effectLst/>
+                <a:latin typeface="Microsoft YaHei" panose="020B0503020204020204" pitchFamily="34" charset="-122"/>
+                <a:ea typeface="Microsoft YaHei" panose="020B0503020204020204" pitchFamily="34" charset="-122"/>
+              </a:rPr>
+            </a:br>
+            <a:r>
+              <a:rPr lang="en-US" altLang="zh-CN" sz="1800">
+                <a:latin typeface="Microsoft YaHei" panose="020B0503020204020204" pitchFamily="34" charset="-122"/>
+                <a:ea typeface="Microsoft YaHei" panose="020B0503020204020204" pitchFamily="34" charset="-122"/>
+              </a:rPr>
+              <a:t>mgr.attachApplication(</a:t>
+            </a:r>
+            <a:r>
+              <a:rPr lang="en-US" altLang="zh-CN" sz="1800">
+                <a:solidFill>
+                  <a:srgbClr val="9876AA"/>
+                </a:solidFill>
+                <a:effectLst/>
+                <a:latin typeface="Microsoft YaHei" panose="020B0503020204020204" pitchFamily="34" charset="-122"/>
+                <a:ea typeface="Microsoft YaHei" panose="020B0503020204020204" pitchFamily="34" charset="-122"/>
+              </a:rPr>
+              <a:t>mAppThread</a:t>
+            </a:r>
+            <a:r>
+              <a:rPr lang="en-US" altLang="zh-CN" sz="1800">
+                <a:latin typeface="Microsoft YaHei" panose="020B0503020204020204" pitchFamily="34" charset="-122"/>
+                <a:ea typeface="Microsoft YaHei" panose="020B0503020204020204" pitchFamily="34" charset="-122"/>
+              </a:rPr>
+              <a:t>)</a:t>
+            </a:r>
+            <a:r>
+              <a:rPr lang="en-US" altLang="zh-CN" sz="1800">
+                <a:solidFill>
+                  <a:srgbClr val="CC7832"/>
+                </a:solidFill>
+                <a:effectLst/>
+                <a:latin typeface="Microsoft YaHei" panose="020B0503020204020204" pitchFamily="34" charset="-122"/>
+                <a:ea typeface="Microsoft YaHei" panose="020B0503020204020204" pitchFamily="34" charset="-122"/>
+              </a:rPr>
+              <a:t>;</a:t>
+            </a:r>
+            <a:endParaRPr lang="zh-CN" altLang="en-US" sz="1800">
+              <a:latin typeface="Microsoft YaHei" panose="020B0503020204020204" pitchFamily="34" charset="-122"/>
+              <a:ea typeface="Microsoft YaHei" panose="020B0503020204020204" pitchFamily="34" charset="-122"/>
+            </a:endParaRPr>
+          </a:p>
+        </p:txBody>
+      </p:sp>
+      <p:cxnSp>
+        <p:nvCxnSpPr>
+          <p:cNvPr id="8" name="直线箭头连接符 7">
+            <a:extLst>
+              <a:ext uri="{FF2B5EF4-FFF2-40B4-BE49-F238E27FC236}">
+                <a16:creationId xmlns:a16="http://schemas.microsoft.com/office/drawing/2014/main" id="{60D815C7-2E78-3942-8F26-2637929FC022}"/>
+              </a:ext>
+            </a:extLst>
+          </p:cNvPr>
+          <p:cNvCxnSpPr>
+            <a:cxnSpLocks/>
+          </p:cNvCxnSpPr>
+          <p:nvPr/>
+        </p:nvCxnSpPr>
+        <p:spPr>
+          <a:xfrm>
+            <a:off x="2639028" y="1879253"/>
+            <a:ext cx="544010" cy="1778347"/>
+          </a:xfrm>
+          <a:prstGeom prst="straightConnector1">
+            <a:avLst/>
+          </a:prstGeom>
+          <a:ln w="19050">
+            <a:solidFill>
+              <a:schemeClr val="accent2"/>
+            </a:solidFill>
+            <a:tailEnd type="triangle"/>
+          </a:ln>
+        </p:spPr>
+        <p:style>
+          <a:lnRef idx="1">
+            <a:schemeClr val="accent1"/>
+          </a:lnRef>
+          <a:fillRef idx="0">
+            <a:schemeClr val="accent1"/>
+          </a:fillRef>
+          <a:effectRef idx="0">
+            <a:schemeClr val="accent1"/>
+          </a:effectRef>
+          <a:fontRef idx="minor">
+            <a:schemeClr val="tx1"/>
+          </a:fontRef>
+        </p:style>
+      </p:cxnSp>
+    </p:spTree>
+    <p:extLst>
+      <p:ext uri="{BB962C8B-B14F-4D97-AF65-F5344CB8AC3E}">
+        <p14:creationId xmlns:p14="http://schemas.microsoft.com/office/powerpoint/2010/main" val="3659730438"/>
+      </p:ext>
+    </p:extLst>
+  </p:cSld>
+  <p:clrMapOvr>
+    <a:masterClrMapping/>
+  </p:clrMapOvr>
+  <p:timing>
+    <p:tnLst>
+      <p:par>
+        <p:cTn id="1" dur="indefinite" restart="never" nodeType="tmRoot">
+          <p:childTnLst>
+            <p:seq concurrent="1" nextAc="seek">
+              <p:cTn id="2" dur="indefinite" nodeType="mainSeq">
+                <p:childTnLst>
+                  <p:par>
+                    <p:cTn id="3" fill="hold">
+                      <p:stCondLst>
+                        <p:cond delay="indefinite"/>
+                        <p:cond evt="onBegin" delay="0">
+                          <p:tn val="2"/>
+                        </p:cond>
+                      </p:stCondLst>
+                      <p:childTnLst>
+                        <p:par>
+                          <p:cTn id="4" fill="hold">
+                            <p:stCondLst>
+                              <p:cond delay="0"/>
+                            </p:stCondLst>
+                            <p:childTnLst>
+                              <p:par>
+                                <p:cTn id="5" presetID="2" presetClass="entr" presetSubtype="4" fill="hold" grpId="0" nodeType="withEffect">
+                                  <p:stCondLst>
+                                    <p:cond delay="0"/>
+                                  </p:stCondLst>
+                                  <p:childTnLst>
+                                    <p:set>
+                                      <p:cBhvr>
+                                        <p:cTn id="6" dur="1" fill="hold">
+                                          <p:stCondLst>
+                                            <p:cond delay="0"/>
+                                          </p:stCondLst>
+                                        </p:cTn>
+                                        <p:tgtEl>
+                                          <p:spTgt spid="5"/>
+                                        </p:tgtEl>
+                                        <p:attrNameLst>
+                                          <p:attrName>style.visibility</p:attrName>
+                                        </p:attrNameLst>
+                                      </p:cBhvr>
+                                      <p:to>
+                                        <p:strVal val="visible"/>
+                                      </p:to>
+                                    </p:set>
+                                    <p:anim calcmode="lin" valueType="num">
+                                      <p:cBhvr additive="base">
+                                        <p:cTn id="7" dur="500" fill="hold"/>
+                                        <p:tgtEl>
+                                          <p:spTgt spid="5"/>
+                                        </p:tgtEl>
+                                        <p:attrNameLst>
+                                          <p:attrName>ppt_x</p:attrName>
+                                        </p:attrNameLst>
+                                      </p:cBhvr>
+                                      <p:tavLst>
+                                        <p:tav tm="0">
+                                          <p:val>
+                                            <p:strVal val="#ppt_x"/>
+                                          </p:val>
+                                        </p:tav>
+                                        <p:tav tm="100000">
+                                          <p:val>
+                                            <p:strVal val="#ppt_x"/>
+                                          </p:val>
+                                        </p:tav>
+                                      </p:tavLst>
+                                    </p:anim>
+                                    <p:anim calcmode="lin" valueType="num">
+                                      <p:cBhvr additive="base">
+                                        <p:cTn id="8" dur="500" fill="hold"/>
+                                        <p:tgtEl>
+                                          <p:spTgt spid="5"/>
+                                        </p:tgtEl>
+                                        <p:attrNameLst>
+                                          <p:attrName>ppt_y</p:attrName>
+                                        </p:attrNameLst>
+                                      </p:cBhvr>
+                                      <p:tavLst>
+                                        <p:tav tm="0">
+                                          <p:val>
+                                            <p:strVal val="1+#ppt_h/2"/>
+                                          </p:val>
+                                        </p:tav>
+                                        <p:tav tm="100000">
+                                          <p:val>
+                                            <p:strVal val="#ppt_y"/>
+                                          </p:val>
+                                        </p:tav>
+                                      </p:tavLst>
+                                    </p:anim>
+                                  </p:childTnLst>
+                                </p:cTn>
+                              </p:par>
+                            </p:childTnLst>
+                          </p:cTn>
+                        </p:par>
+                      </p:childTnLst>
+                    </p:cTn>
+                  </p:par>
+                  <p:par>
+                    <p:cTn id="9" fill="hold">
+                      <p:stCondLst>
+                        <p:cond delay="indefinite"/>
+                      </p:stCondLst>
+                      <p:childTnLst>
+                        <p:par>
+                          <p:cTn id="10" fill="hold">
+                            <p:stCondLst>
+                              <p:cond delay="0"/>
+                            </p:stCondLst>
+                            <p:childTnLst>
+                              <p:par>
+                                <p:cTn id="11" presetID="9" presetClass="entr" presetSubtype="0" fill="hold" nodeType="clickEffect">
+                                  <p:stCondLst>
+                                    <p:cond delay="0"/>
+                                  </p:stCondLst>
+                                  <p:childTnLst>
+                                    <p:set>
+                                      <p:cBhvr>
+                                        <p:cTn id="12" dur="1" fill="hold">
+                                          <p:stCondLst>
+                                            <p:cond delay="0"/>
+                                          </p:stCondLst>
+                                        </p:cTn>
+                                        <p:tgtEl>
+                                          <p:spTgt spid="8"/>
+                                        </p:tgtEl>
+                                        <p:attrNameLst>
+                                          <p:attrName>style.visibility</p:attrName>
+                                        </p:attrNameLst>
+                                      </p:cBhvr>
+                                      <p:to>
+                                        <p:strVal val="visible"/>
+                                      </p:to>
+                                    </p:set>
+                                    <p:animEffect transition="in" filter="dissolve">
+                                      <p:cBhvr>
+                                        <p:cTn id="13" dur="500"/>
+                                        <p:tgtEl>
+                                          <p:spTgt spid="8"/>
+                                        </p:tgtEl>
+                                      </p:cBhvr>
+                                    </p:animEffect>
+                                  </p:childTnLst>
+                                </p:cTn>
+                              </p:par>
+                            </p:childTnLst>
+                          </p:cTn>
+                        </p:par>
+                        <p:par>
+                          <p:cTn id="14" fill="hold">
+                            <p:stCondLst>
+                              <p:cond delay="500"/>
+                            </p:stCondLst>
+                            <p:childTnLst>
+                              <p:par>
+                                <p:cTn id="15" presetID="9" presetClass="entr" presetSubtype="0" fill="hold" grpId="0" nodeType="afterEffect">
+                                  <p:stCondLst>
+                                    <p:cond delay="0"/>
+                                  </p:stCondLst>
+                                  <p:childTnLst>
+                                    <p:set>
+                                      <p:cBhvr>
+                                        <p:cTn id="16" dur="1" fill="hold">
+                                          <p:stCondLst>
+                                            <p:cond delay="0"/>
+                                          </p:stCondLst>
+                                        </p:cTn>
+                                        <p:tgtEl>
+                                          <p:spTgt spid="6"/>
+                                        </p:tgtEl>
+                                        <p:attrNameLst>
+                                          <p:attrName>style.visibility</p:attrName>
+                                        </p:attrNameLst>
+                                      </p:cBhvr>
+                                      <p:to>
+                                        <p:strVal val="visible"/>
+                                      </p:to>
+                                    </p:set>
+                                    <p:animEffect transition="in" filter="dissolve">
+                                      <p:cBhvr>
+                                        <p:cTn id="17" dur="500"/>
+                                        <p:tgtEl>
+                                          <p:spTgt spid="6"/>
+                                        </p:tgtEl>
+                                      </p:cBhvr>
+                                    </p:animEffect>
+                                  </p:childTnLst>
+                                </p:cTn>
+                              </p:par>
+                            </p:childTnLst>
+                          </p:cTn>
+                        </p:par>
+                      </p:childTnLst>
+                    </p:cTn>
+                  </p:par>
+                </p:childTnLst>
+              </p:cTn>
+              <p:prevCondLst>
+                <p:cond evt="onPrev" delay="0">
+                  <p:tgtEl>
+                    <p:sldTgt/>
+                  </p:tgtEl>
+                </p:cond>
+              </p:prevCondLst>
+              <p:nextCondLst>
+                <p:cond evt="onNext" delay="0">
+                  <p:tgtEl>
+                    <p:sldTgt/>
+                  </p:tgtEl>
+                </p:cond>
+              </p:nextCondLst>
+            </p:seq>
+          </p:childTnLst>
+        </p:cTn>
+      </p:par>
+    </p:tnLst>
+    <p:bldLst>
+      <p:bldP spid="5" grpId="0" animBg="1"/>
+      <p:bldP spid="6" grpId="0" animBg="1"/>
     </p:bldLst>
   </p:timing>
 </p:sld>
